--- a/docs/presentations/executive/mbta-capstone_executive.pptx
+++ b/docs/presentations/executive/mbta-capstone_executive.pptx
@@ -5,7 +5,7 @@
     <p:sldMasterId id="2147483744" r:id="rId1"/>
   </p:sldMasterIdLst>
   <p:notesMasterIdLst>
-    <p:notesMasterId r:id="rId16"/>
+    <p:notesMasterId r:id="rId17"/>
   </p:notesMasterIdLst>
   <p:sldIdLst>
     <p:sldId id="256" r:id="rId2"/>
@@ -16,12 +16,13 @@
     <p:sldId id="265" r:id="rId7"/>
     <p:sldId id="274" r:id="rId8"/>
     <p:sldId id="275" r:id="rId9"/>
-    <p:sldId id="276" r:id="rId10"/>
-    <p:sldId id="277" r:id="rId11"/>
-    <p:sldId id="278" r:id="rId12"/>
-    <p:sldId id="279" r:id="rId13"/>
-    <p:sldId id="272" r:id="rId14"/>
-    <p:sldId id="267" r:id="rId15"/>
+    <p:sldId id="279" r:id="rId10"/>
+    <p:sldId id="280" r:id="rId11"/>
+    <p:sldId id="276" r:id="rId12"/>
+    <p:sldId id="277" r:id="rId13"/>
+    <p:sldId id="278" r:id="rId14"/>
+    <p:sldId id="272" r:id="rId15"/>
+    <p:sldId id="267" r:id="rId16"/>
   </p:sldIdLst>
   <p:sldSz cx="9144000" cy="6858000" type="screen4x3"/>
   <p:notesSz cx="6858000" cy="9144000"/>
@@ -205,7 +206,7 @@
           <a:p>
             <a:fld id="{B20B5F6C-8E70-0345-9CCC-C63AA4BF8C5F}" type="datetimeFigureOut">
               <a:rPr lang="en-US" smtClean="0"/>
-              <a:t>5/12/15</a:t>
+              <a:t>5/13/15</a:t>
             </a:fld>
             <a:endParaRPr lang="en-US"/>
           </a:p>
@@ -2778,7 +2779,7 @@
             <a:fld id="{E30E2307-1E40-4E12-8716-25BFDA8E7013}" type="datetime1">
               <a:rPr lang="en-US" smtClean="0"/>
               <a:pPr/>
-              <a:t>5/12/15</a:t>
+              <a:t>5/13/15</a:t>
             </a:fld>
             <a:endParaRPr lang="en-US"/>
           </a:p>
@@ -2961,7 +2962,7 @@
             <a:fld id="{E5CFCF5A-EA79-452C-A52C-1A2668C2E7DF}" type="datetime1">
               <a:rPr lang="en-US" smtClean="0"/>
               <a:pPr/>
-              <a:t>5/12/15</a:t>
+              <a:t>5/13/15</a:t>
             </a:fld>
             <a:endParaRPr lang="en-US"/>
           </a:p>
@@ -3114,7 +3115,7 @@
             <a:fld id="{2E5C4C28-BD4B-4892-9A2D-6E19BD753A9A}" type="datetime1">
               <a:rPr lang="en-US" smtClean="0"/>
               <a:pPr/>
-              <a:t>5/12/15</a:t>
+              <a:t>5/13/15</a:t>
             </a:fld>
             <a:endParaRPr lang="en-US"/>
           </a:p>
@@ -4942,7 +4943,7 @@
             <a:fld id="{61FD9D02-426E-46C9-9EE9-0DE1EF8B2838}" type="datetime1">
               <a:rPr lang="en-US" smtClean="0"/>
               <a:pPr/>
-              <a:t>5/12/15</a:t>
+              <a:t>5/13/15</a:t>
             </a:fld>
             <a:endParaRPr lang="en-US"/>
           </a:p>
@@ -6814,7 +6815,7 @@
             <a:fld id="{7B8AEBBE-F8B2-42CF-9895-E86A608384EB}" type="datetime1">
               <a:rPr lang="en-US" smtClean="0"/>
               <a:pPr/>
-              <a:t>5/12/15</a:t>
+              <a:t>5/13/15</a:t>
             </a:fld>
             <a:endParaRPr lang="en-US"/>
           </a:p>
@@ -6929,7 +6930,7 @@
             <a:fld id="{E1FAA6B6-10E5-4810-BC9F-DA72D8452E73}" type="datetime1">
               <a:rPr lang="en-US" smtClean="0"/>
               <a:pPr/>
-              <a:t>5/12/15</a:t>
+              <a:t>5/13/15</a:t>
             </a:fld>
             <a:endParaRPr lang="en-US"/>
           </a:p>
@@ -7472,7 +7473,7 @@
             <a:fld id="{6D18D072-EF12-4AA2-BD71-ABC68B06D0E2}" type="datetime1">
               <a:rPr lang="en-US" smtClean="0"/>
               <a:pPr/>
-              <a:t>5/12/15</a:t>
+              <a:t>5/13/15</a:t>
             </a:fld>
             <a:endParaRPr lang="en-US"/>
           </a:p>
@@ -7587,7 +7588,7 @@
             <a:fld id="{B8CDBF60-6CC3-4B74-A60D-3486985E4346}" type="datetime1">
               <a:rPr lang="en-US" smtClean="0"/>
               <a:pPr/>
-              <a:t>5/12/15</a:t>
+              <a:t>5/13/15</a:t>
             </a:fld>
             <a:endParaRPr lang="en-US"/>
           </a:p>
@@ -9300,7 +9301,7 @@
             <a:fld id="{22714818-984F-4759-BF72-A33BDC1963BD}" type="datetime1">
               <a:rPr lang="en-US" smtClean="0"/>
               <a:pPr/>
-              <a:t>5/12/15</a:t>
+              <a:t>5/13/15</a:t>
             </a:fld>
             <a:endParaRPr lang="en-US"/>
           </a:p>
@@ -9453,7 +9454,7 @@
             <a:fld id="{9EA7E191-5F94-4FC1-B823-BD7CABF7FA06}" type="datetime1">
               <a:rPr lang="en-US" smtClean="0"/>
               <a:pPr/>
-              <a:t>5/12/15</a:t>
+              <a:t>5/13/15</a:t>
             </a:fld>
             <a:endParaRPr lang="en-US"/>
           </a:p>
@@ -13070,7 +13071,7 @@
             <a:fld id="{88856D55-EFBE-4F9B-8A5F-09D42CA22A9B}" type="datetime1">
               <a:rPr lang="en-US" smtClean="0"/>
               <a:pPr/>
-              <a:t>5/12/15</a:t>
+              <a:t>5/13/15</a:t>
             </a:fld>
             <a:endParaRPr lang="en-US"/>
           </a:p>
@@ -14931,7 +14932,7 @@
             <a:fld id="{9D1D110F-3F4E-48D9-B8AA-5D0E825AFDBA}" type="datetime1">
               <a:rPr lang="en-US" smtClean="0"/>
               <a:pPr/>
-              <a:t>5/12/15</a:t>
+              <a:t>5/13/15</a:t>
             </a:fld>
             <a:endParaRPr lang="en-US"/>
           </a:p>
@@ -15466,11 +15467,7 @@
           <a:p>
             <a:r>
               <a:rPr lang="en-US" dirty="0" smtClean="0"/>
-              <a:t>MBTA </a:t>
-            </a:r>
-            <a:r>
-              <a:rPr lang="en-US" dirty="0" smtClean="0"/>
-              <a:t>Capstone</a:t>
+              <a:t>MBTA Capstone</a:t>
             </a:r>
             <a:endParaRPr lang="en-US" dirty="0"/>
           </a:p>
@@ -15833,71 +15830,36 @@
             <p:ph idx="1"/>
           </p:nvPr>
         </p:nvSpPr>
-        <p:spPr>
-          <a:xfrm>
-            <a:off x="872067" y="3556000"/>
-            <a:ext cx="7408333" cy="1524000"/>
-          </a:xfrm>
-        </p:spPr>
+        <p:spPr/>
         <p:txBody>
-          <a:bodyPr>
-            <a:normAutofit/>
-          </a:bodyPr>
+          <a:bodyPr/>
           <a:lstStyle/>
           <a:p>
-            <a:pPr marL="0" indent="0" algn="ctr">
-              <a:buNone/>
-            </a:pPr>
             <a:r>
-              <a:rPr lang="en-US" sz="5400" dirty="0"/>
-              <a:t>http://</a:t>
+              <a:rPr lang="en-US" dirty="0" smtClean="0"/>
+              <a:t>Overall 94% Accuracy</a:t>
+            </a:r>
+          </a:p>
+          <a:p>
+            <a:r>
+              <a:rPr lang="en-US" dirty="0" smtClean="0"/>
+              <a:t>30 stations &gt; 95%</a:t>
+            </a:r>
+          </a:p>
+          <a:p>
+            <a:r>
+              <a:rPr lang="en-US" dirty="0" smtClean="0"/>
+              <a:t>4 stations </a:t>
             </a:r>
             <a:r>
-              <a:rPr lang="en-US" sz="5400" dirty="0" err="1"/>
-              <a:t>goo.gl</a:t>
+              <a:rPr lang="en-US" dirty="0" err="1" smtClean="0"/>
+              <a:t>bloe</a:t>
             </a:r>
             <a:r>
-              <a:rPr lang="en-US" sz="5400" dirty="0"/>
-              <a:t>/</a:t>
+              <a:rPr lang="en-US" dirty="0" smtClean="0"/>
+              <a:t> &lt; 90% (Science Park, Community College, Riverside, Suffolk Downs)</a:t>
             </a:r>
-            <a:r>
-              <a:rPr lang="en-US" sz="5400" dirty="0" smtClean="0"/>
-              <a:t>9F9kky</a:t>
-            </a:r>
-          </a:p>
-          <a:p>
-            <a:pPr marL="0" indent="0" algn="ctr">
-              <a:buNone/>
-            </a:pPr>
-            <a:r>
-              <a:rPr lang="en-US" sz="2000" dirty="0" smtClean="0"/>
-              <a:t>(</a:t>
-            </a:r>
-            <a:r>
-              <a:rPr lang="en-US" sz="2000" dirty="0"/>
-              <a:t>http:/</a:t>
-            </a:r>
-            <a:r>
-              <a:rPr lang="en-US" sz="2000" dirty="0" smtClean="0"/>
-              <a:t>/</a:t>
-            </a:r>
-            <a:r>
-              <a:rPr lang="en-US" sz="2000" dirty="0" err="1" smtClean="0"/>
-              <a:t>azampagl.github.io</a:t>
-            </a:r>
-            <a:r>
-              <a:rPr lang="en-US" sz="2000" dirty="0" smtClean="0"/>
-              <a:t>/</a:t>
-            </a:r>
-            <a:r>
-              <a:rPr lang="en-US" sz="2000" dirty="0" err="1" smtClean="0"/>
-              <a:t>mbta</a:t>
-            </a:r>
-            <a:r>
-              <a:rPr lang="en-US" sz="2000" dirty="0" smtClean="0"/>
-              <a:t>-weather)</a:t>
-            </a:r>
-            <a:endParaRPr lang="en-US" sz="2000" dirty="0"/>
+            <a:endParaRPr lang="en-US" dirty="0"/>
           </a:p>
         </p:txBody>
       </p:sp>
@@ -15918,7 +15880,7 @@
           <a:p>
             <a:r>
               <a:rPr lang="en-US" dirty="0" smtClean="0"/>
-              <a:t>Weather Visualization</a:t>
+              <a:t>Prediction Accuracy</a:t>
             </a:r>
             <a:endParaRPr lang="en-US" dirty="0"/>
           </a:p>
@@ -15927,20 +15889,13 @@
     </p:spTree>
     <p:extLst>
       <p:ext uri="{BB962C8B-B14F-4D97-AF65-F5344CB8AC3E}">
-        <p14:creationId xmlns:p14="http://schemas.microsoft.com/office/powerpoint/2010/main" val="1750773450"/>
+        <p14:creationId xmlns:p14="http://schemas.microsoft.com/office/powerpoint/2010/main" val="562775704"/>
       </p:ext>
     </p:extLst>
   </p:cSld>
   <p:clrMapOvr>
     <a:masterClrMapping/>
   </p:clrMapOvr>
-  <p:timing>
-    <p:tnLst>
-      <p:par>
-        <p:cTn xmlns:p14="http://schemas.microsoft.com/office/powerpoint/2010/main" id="1" dur="indefinite" restart="never" nodeType="tmRoot"/>
-      </p:par>
-    </p:tnLst>
-  </p:timing>
 </p:sld>
 </file>
 
@@ -15963,72 +15918,6 @@
       </p:grpSpPr>
       <p:sp>
         <p:nvSpPr>
-          <p:cNvPr id="2" name="Content Placeholder 1"/>
-          <p:cNvSpPr>
-            <a:spLocks noGrp="1"/>
-          </p:cNvSpPr>
-          <p:nvPr>
-            <p:ph idx="1"/>
-          </p:nvPr>
-        </p:nvSpPr>
-        <p:spPr>
-          <a:xfrm>
-            <a:off x="872067" y="3556000"/>
-            <a:ext cx="7408333" cy="1524000"/>
-          </a:xfrm>
-        </p:spPr>
-        <p:txBody>
-          <a:bodyPr>
-            <a:normAutofit/>
-          </a:bodyPr>
-          <a:lstStyle/>
-          <a:p>
-            <a:pPr marL="0" indent="0" algn="ctr">
-              <a:buNone/>
-            </a:pPr>
-            <a:r>
-              <a:rPr lang="en-US" sz="5400" dirty="0"/>
-              <a:t>http://</a:t>
-            </a:r>
-            <a:r>
-              <a:rPr lang="en-US" sz="5400" dirty="0" err="1"/>
-              <a:t>goo.gl</a:t>
-            </a:r>
-            <a:r>
-              <a:rPr lang="en-US" sz="5400" dirty="0"/>
-              <a:t>/</a:t>
-            </a:r>
-            <a:r>
-              <a:rPr lang="en-US" sz="5400" dirty="0" smtClean="0"/>
-              <a:t>2RRjCC</a:t>
-            </a:r>
-          </a:p>
-          <a:p>
-            <a:pPr marL="0" indent="0" algn="ctr">
-              <a:buNone/>
-            </a:pPr>
-            <a:r>
-              <a:rPr lang="en-US" sz="2000" dirty="0"/>
-              <a:t>(http://</a:t>
-            </a:r>
-            <a:r>
-              <a:rPr lang="en-US" sz="2000" dirty="0" err="1"/>
-              <a:t>micahlanier.github.io</a:t>
-            </a:r>
-            <a:r>
-              <a:rPr lang="en-US" sz="2000" dirty="0"/>
-              <a:t>/cs171-</a:t>
-            </a:r>
-            <a:r>
-              <a:rPr lang="en-US" sz="2000" dirty="0" smtClean="0"/>
-              <a:t>gameday)</a:t>
-            </a:r>
-            <a:endParaRPr lang="en-US" sz="2000" dirty="0"/>
-          </a:p>
-        </p:txBody>
-      </p:sp>
-      <p:sp>
-        <p:nvSpPr>
           <p:cNvPr id="3" name="Title 2"/>
           <p:cNvSpPr>
             <a:spLocks noGrp="1"/>
@@ -16044,16 +15933,46 @@
           <a:p>
             <a:r>
               <a:rPr lang="en-US" dirty="0" smtClean="0"/>
-              <a:t>Event Visualization</a:t>
+              <a:t>Snow Trend</a:t>
             </a:r>
             <a:endParaRPr lang="en-US" dirty="0"/>
           </a:p>
         </p:txBody>
       </p:sp>
+      <p:pic>
+        <p:nvPicPr>
+          <p:cNvPr id="12" name="Content Placeholder 11" descr="linear-predictions.pdf"/>
+          <p:cNvPicPr>
+            <a:picLocks noGrp="1" noChangeAspect="1"/>
+          </p:cNvPicPr>
+          <p:nvPr>
+            <p:ph idx="1"/>
+          </p:nvPr>
+        </p:nvPicPr>
+        <p:blipFill>
+          <a:blip r:embed="rId2">
+            <a:extLst>
+              <a:ext uri="{28A0092B-C50C-407E-A947-70E740481C1C}">
+                <a14:useLocalDpi xmlns:a14="http://schemas.microsoft.com/office/drawing/2010/main" val="0"/>
+              </a:ext>
+            </a:extLst>
+          </a:blip>
+          <a:srcRect l="-3673" r="-3673"/>
+          <a:stretch>
+            <a:fillRect/>
+          </a:stretch>
+        </p:blipFill>
+        <p:spPr>
+          <a:xfrm>
+            <a:off x="237186" y="2540000"/>
+            <a:ext cx="8906814" cy="4148667"/>
+          </a:xfrm>
+        </p:spPr>
+      </p:pic>
     </p:spTree>
     <p:extLst>
       <p:ext uri="{BB962C8B-B14F-4D97-AF65-F5344CB8AC3E}">
-        <p14:creationId xmlns:p14="http://schemas.microsoft.com/office/powerpoint/2010/main" val="1829534350"/>
+        <p14:creationId xmlns:p14="http://schemas.microsoft.com/office/powerpoint/2010/main" val="1908534129"/>
       </p:ext>
     </p:extLst>
   </p:cSld>
@@ -16097,26 +16016,71 @@
             <p:ph idx="1"/>
           </p:nvPr>
         </p:nvSpPr>
-        <p:spPr/>
+        <p:spPr>
+          <a:xfrm>
+            <a:off x="872067" y="3556000"/>
+            <a:ext cx="7408333" cy="1524000"/>
+          </a:xfrm>
+        </p:spPr>
         <p:txBody>
-          <a:bodyPr/>
+          <a:bodyPr>
+            <a:normAutofit/>
+          </a:bodyPr>
           <a:lstStyle/>
           <a:p>
+            <a:pPr marL="0" indent="0" algn="ctr">
+              <a:buNone/>
+            </a:pPr>
             <a:r>
-              <a:rPr lang="en-US" dirty="0"/>
-              <a:t>linear model, historical benchmark(86%) which predictors we decided on, which stations improved the most, </a:t>
+              <a:rPr lang="en-US" sz="5400" dirty="0"/>
+              <a:t>http://</a:t>
             </a:r>
             <a:r>
-              <a:rPr lang="en-US"/>
-              <a:t>final </a:t>
+              <a:rPr lang="en-US" sz="5400" dirty="0" err="1"/>
+              <a:t>goo.gl</a:t>
             </a:r>
             <a:r>
-              <a:rPr lang="en-US" smtClean="0"/>
-              <a:t>accuracy</a:t>
+              <a:rPr lang="en-US" sz="5400" dirty="0"/>
+              <a:t>/</a:t>
             </a:r>
-          </a:p>
-          <a:p>
-            <a:endParaRPr lang="en-US" dirty="0"/>
+            <a:r>
+              <a:rPr lang="en-US" sz="5400" dirty="0" smtClean="0"/>
+              <a:t>9F9kky</a:t>
+            </a:r>
+          </a:p>
+          <a:p>
+            <a:pPr marL="0" indent="0" algn="ctr">
+              <a:buNone/>
+            </a:pPr>
+            <a:r>
+              <a:rPr lang="en-US" sz="2000" dirty="0" smtClean="0"/>
+              <a:t>(</a:t>
+            </a:r>
+            <a:r>
+              <a:rPr lang="en-US" sz="2000" dirty="0"/>
+              <a:t>http:/</a:t>
+            </a:r>
+            <a:r>
+              <a:rPr lang="en-US" sz="2000" dirty="0" smtClean="0"/>
+              <a:t>/</a:t>
+            </a:r>
+            <a:r>
+              <a:rPr lang="en-US" sz="2000" dirty="0" err="1" smtClean="0"/>
+              <a:t>azampagl.github.io</a:t>
+            </a:r>
+            <a:r>
+              <a:rPr lang="en-US" sz="2000" dirty="0" smtClean="0"/>
+              <a:t>/</a:t>
+            </a:r>
+            <a:r>
+              <a:rPr lang="en-US" sz="2000" dirty="0" err="1" smtClean="0"/>
+              <a:t>mbta</a:t>
+            </a:r>
+            <a:r>
+              <a:rPr lang="en-US" sz="2000" dirty="0" smtClean="0"/>
+              <a:t>-weather)</a:t>
+            </a:r>
+            <a:endParaRPr lang="en-US" sz="2000" dirty="0"/>
           </a:p>
         </p:txBody>
       </p:sp>
@@ -16137,7 +16101,7 @@
           <a:p>
             <a:r>
               <a:rPr lang="en-US" dirty="0" smtClean="0"/>
-              <a:t>Prediction</a:t>
+              <a:t>Weather Visualization</a:t>
             </a:r>
             <a:endParaRPr lang="en-US" dirty="0"/>
           </a:p>
@@ -16146,17 +16110,150 @@
     </p:spTree>
     <p:extLst>
       <p:ext uri="{BB962C8B-B14F-4D97-AF65-F5344CB8AC3E}">
-        <p14:creationId xmlns:p14="http://schemas.microsoft.com/office/powerpoint/2010/main" val="2875009447"/>
+        <p14:creationId xmlns:p14="http://schemas.microsoft.com/office/powerpoint/2010/main" val="1750773450"/>
       </p:ext>
     </p:extLst>
   </p:cSld>
   <p:clrMapOvr>
     <a:masterClrMapping/>
   </p:clrMapOvr>
+  <p:timing>
+    <p:tnLst>
+      <p:par>
+        <p:cTn xmlns:p14="http://schemas.microsoft.com/office/powerpoint/2010/main" id="1" dur="indefinite" restart="never" nodeType="tmRoot"/>
+      </p:par>
+    </p:tnLst>
+  </p:timing>
 </p:sld>
 </file>
 
 <file path=ppt/slides/slide13.xml><?xml version="1.0" encoding="utf-8"?>
+<p:sld xmlns:a="http://schemas.openxmlformats.org/drawingml/2006/main" xmlns:r="http://schemas.openxmlformats.org/officeDocument/2006/relationships" xmlns:p="http://schemas.openxmlformats.org/presentationml/2006/main">
+  <p:cSld>
+    <p:spTree>
+      <p:nvGrpSpPr>
+        <p:cNvPr id="1" name=""/>
+        <p:cNvGrpSpPr/>
+        <p:nvPr/>
+      </p:nvGrpSpPr>
+      <p:grpSpPr>
+        <a:xfrm>
+          <a:off x="0" y="0"/>
+          <a:ext cx="0" cy="0"/>
+          <a:chOff x="0" y="0"/>
+          <a:chExt cx="0" cy="0"/>
+        </a:xfrm>
+      </p:grpSpPr>
+      <p:sp>
+        <p:nvSpPr>
+          <p:cNvPr id="2" name="Content Placeholder 1"/>
+          <p:cNvSpPr>
+            <a:spLocks noGrp="1"/>
+          </p:cNvSpPr>
+          <p:nvPr>
+            <p:ph idx="1"/>
+          </p:nvPr>
+        </p:nvSpPr>
+        <p:spPr>
+          <a:xfrm>
+            <a:off x="872067" y="3556000"/>
+            <a:ext cx="7408333" cy="1524000"/>
+          </a:xfrm>
+        </p:spPr>
+        <p:txBody>
+          <a:bodyPr>
+            <a:normAutofit/>
+          </a:bodyPr>
+          <a:lstStyle/>
+          <a:p>
+            <a:pPr marL="0" indent="0" algn="ctr">
+              <a:buNone/>
+            </a:pPr>
+            <a:r>
+              <a:rPr lang="en-US" sz="5400" dirty="0"/>
+              <a:t>http://</a:t>
+            </a:r>
+            <a:r>
+              <a:rPr lang="en-US" sz="5400" dirty="0" err="1"/>
+              <a:t>goo.gl</a:t>
+            </a:r>
+            <a:r>
+              <a:rPr lang="en-US" sz="5400" dirty="0"/>
+              <a:t>/</a:t>
+            </a:r>
+            <a:r>
+              <a:rPr lang="en-US" sz="5400" dirty="0" smtClean="0"/>
+              <a:t>2RRjCC</a:t>
+            </a:r>
+          </a:p>
+          <a:p>
+            <a:pPr marL="0" indent="0" algn="ctr">
+              <a:buNone/>
+            </a:pPr>
+            <a:r>
+              <a:rPr lang="en-US" sz="2000" dirty="0"/>
+              <a:t>(http://</a:t>
+            </a:r>
+            <a:r>
+              <a:rPr lang="en-US" sz="2000" dirty="0" err="1"/>
+              <a:t>micahlanier.github.io</a:t>
+            </a:r>
+            <a:r>
+              <a:rPr lang="en-US" sz="2000" dirty="0"/>
+              <a:t>/cs171-</a:t>
+            </a:r>
+            <a:r>
+              <a:rPr lang="en-US" sz="2000" dirty="0" smtClean="0"/>
+              <a:t>gameday)</a:t>
+            </a:r>
+            <a:endParaRPr lang="en-US" sz="2000" dirty="0"/>
+          </a:p>
+        </p:txBody>
+      </p:sp>
+      <p:sp>
+        <p:nvSpPr>
+          <p:cNvPr id="3" name="Title 2"/>
+          <p:cNvSpPr>
+            <a:spLocks noGrp="1"/>
+          </p:cNvSpPr>
+          <p:nvPr>
+            <p:ph type="title"/>
+          </p:nvPr>
+        </p:nvSpPr>
+        <p:spPr/>
+        <p:txBody>
+          <a:bodyPr/>
+          <a:lstStyle/>
+          <a:p>
+            <a:r>
+              <a:rPr lang="en-US" dirty="0" smtClean="0"/>
+              <a:t>Event Visualization</a:t>
+            </a:r>
+            <a:endParaRPr lang="en-US" dirty="0"/>
+          </a:p>
+        </p:txBody>
+      </p:sp>
+    </p:spTree>
+    <p:extLst>
+      <p:ext uri="{BB962C8B-B14F-4D97-AF65-F5344CB8AC3E}">
+        <p14:creationId xmlns:p14="http://schemas.microsoft.com/office/powerpoint/2010/main" val="1829534350"/>
+      </p:ext>
+    </p:extLst>
+  </p:cSld>
+  <p:clrMapOvr>
+    <a:masterClrMapping/>
+  </p:clrMapOvr>
+  <p:timing>
+    <p:tnLst>
+      <p:par>
+        <p:cTn xmlns:p14="http://schemas.microsoft.com/office/powerpoint/2010/main" id="1" dur="indefinite" restart="never" nodeType="tmRoot"/>
+      </p:par>
+    </p:tnLst>
+  </p:timing>
+</p:sld>
+</file>
+
+<file path=ppt/slides/slide14.xml><?xml version="1.0" encoding="utf-8"?>
 <p:sld xmlns:a="http://schemas.openxmlformats.org/drawingml/2006/main" xmlns:r="http://schemas.openxmlformats.org/officeDocument/2006/relationships" xmlns:p="http://schemas.openxmlformats.org/presentationml/2006/main">
   <p:cSld>
     <p:spTree>
@@ -16197,7 +16294,6 @@
               <a:rPr lang="en-US" dirty="0" smtClean="0"/>
               <a:t>Bus Data</a:t>
             </a:r>
-            <a:endParaRPr lang="en-US" dirty="0" smtClean="0"/>
           </a:p>
           <a:p>
             <a:endParaRPr lang="en-US" dirty="0" smtClean="0"/>
@@ -16484,25 +16580,24 @@
           <a:p>
             <a:r>
               <a:rPr lang="en-US" dirty="0" smtClean="0"/>
-              <a:t>Integrate Exit Data</a:t>
+              <a:t>Integrate Exit </a:t>
             </a:r>
-          </a:p>
-          <a:p>
-            <a:endParaRPr lang="en-US" dirty="0" smtClean="0"/>
-          </a:p>
-          <a:p>
             <a:r>
               <a:rPr lang="en-US" dirty="0" smtClean="0"/>
-              <a:t>Sentiment Analysis</a:t>
+              <a:t>Data</a:t>
             </a:r>
           </a:p>
           <a:p>
-            <a:endParaRPr lang="en-US" dirty="0" smtClean="0"/>
+            <a:endParaRPr lang="en-US" dirty="0"/>
           </a:p>
           <a:p>
             <a:r>
               <a:rPr lang="en-US" dirty="0" smtClean="0"/>
-              <a:t>Real-time Systems</a:t>
+              <a:t>Real</a:t>
+            </a:r>
+            <a:r>
+              <a:rPr lang="en-US" dirty="0" smtClean="0"/>
+              <a:t>-time Systems</a:t>
             </a:r>
             <a:endParaRPr lang="en-US" dirty="0"/>
           </a:p>
@@ -16528,7 +16623,7 @@
 </p:sld>
 </file>
 
-<file path=ppt/slides/slide14.xml><?xml version="1.0" encoding="utf-8"?>
+<file path=ppt/slides/slide15.xml><?xml version="1.0" encoding="utf-8"?>
 <p:sld xmlns:a="http://schemas.openxmlformats.org/drawingml/2006/main" xmlns:r="http://schemas.openxmlformats.org/officeDocument/2006/relationships" xmlns:p="http://schemas.openxmlformats.org/presentationml/2006/main">
   <p:cSld>
     <p:spTree>
@@ -18016,8 +18111,8 @@
         </p:nvSpPr>
         <p:spPr>
           <a:xfrm>
-            <a:off x="457200" y="3563740"/>
-            <a:ext cx="7408333" cy="2024657"/>
+            <a:off x="457200" y="3275879"/>
+            <a:ext cx="7408333" cy="2887860"/>
           </a:xfrm>
         </p:spPr>
         <p:txBody>
@@ -18027,7 +18122,24 @@
           <a:lstStyle/>
           <a:p>
             <a:r>
-              <a:rPr lang="en-US" dirty="0">
+              <a:rPr lang="en-US" dirty="0" smtClean="0">
+                <a:solidFill>
+                  <a:schemeClr val="tx1"/>
+                </a:solidFill>
+              </a:rPr>
+              <a:t>Capstone Project</a:t>
+            </a:r>
+          </a:p>
+          <a:p>
+            <a:endParaRPr lang="en-US" dirty="0">
+              <a:solidFill>
+                <a:schemeClr val="tx1"/>
+              </a:solidFill>
+            </a:endParaRPr>
+          </a:p>
+          <a:p>
+            <a:r>
+              <a:rPr lang="en-US" dirty="0" smtClean="0">
                 <a:solidFill>
                   <a:schemeClr val="tx1"/>
                 </a:solidFill>
@@ -18044,13 +18156,9 @@
             </a:r>
           </a:p>
           <a:p>
-            <a:endParaRPr lang="en-US" dirty="0" smtClean="0">
-              <a:solidFill>
-                <a:schemeClr val="tx1"/>
-              </a:solidFill>
-            </a:endParaRPr>
-          </a:p>
-          <a:p>
+            <a:pPr marL="0" indent="0">
+              <a:buNone/>
+            </a:pPr>
             <a:endParaRPr lang="en-US" dirty="0" smtClean="0">
               <a:solidFill>
                 <a:schemeClr val="tx1"/>
@@ -18103,6 +18211,14 @@
           <a:p>
             <a:r>
               <a:rPr lang="en-US" dirty="0" smtClean="0"/>
+              <a:t>Harvard </a:t>
+            </a:r>
+            <a:r>
+              <a:rPr lang="en-US" smtClean="0"/>
+              <a:t>and the </a:t>
+            </a:r>
+            <a:r>
+              <a:rPr lang="en-US" smtClean="0"/>
               <a:t>MBTA</a:t>
             </a:r>
             <a:endParaRPr lang="en-US" dirty="0"/>
@@ -19321,11 +19437,7 @@
           <a:p>
             <a:r>
               <a:rPr lang="en-US" dirty="0" smtClean="0"/>
-              <a:t>Event </a:t>
-            </a:r>
-            <a:r>
-              <a:rPr lang="en-US" dirty="0" smtClean="0"/>
-              <a:t>Data</a:t>
+              <a:t>Event Data</a:t>
             </a:r>
             <a:endParaRPr lang="en-US" dirty="0"/>
           </a:p>
@@ -19400,6 +19512,39 @@
       </p:grpSpPr>
       <p:sp>
         <p:nvSpPr>
+          <p:cNvPr id="2" name="Content Placeholder 1"/>
+          <p:cNvSpPr>
+            <a:spLocks noGrp="1"/>
+          </p:cNvSpPr>
+          <p:nvPr>
+            <p:ph idx="1"/>
+          </p:nvPr>
+        </p:nvSpPr>
+        <p:spPr/>
+        <p:txBody>
+          <a:bodyPr/>
+          <a:lstStyle/>
+          <a:p>
+            <a:r>
+              <a:rPr lang="en-US" dirty="0"/>
+              <a:t>linear model, historical benchmark(86%) which predictors we decided on, which stations improved the most, </a:t>
+            </a:r>
+            <a:r>
+              <a:rPr lang="en-US"/>
+              <a:t>final </a:t>
+            </a:r>
+            <a:r>
+              <a:rPr lang="en-US" smtClean="0"/>
+              <a:t>accuracy</a:t>
+            </a:r>
+          </a:p>
+          <a:p>
+            <a:endParaRPr lang="en-US" dirty="0"/>
+          </a:p>
+        </p:txBody>
+      </p:sp>
+      <p:sp>
+        <p:nvSpPr>
           <p:cNvPr id="3" name="Title 2"/>
           <p:cNvSpPr>
             <a:spLocks noGrp="1"/>
@@ -19415,59 +19560,22 @@
           <a:p>
             <a:r>
               <a:rPr lang="en-US" dirty="0" smtClean="0"/>
-              <a:t>Snow Trend</a:t>
+              <a:t>Prediction Features</a:t>
             </a:r>
             <a:endParaRPr lang="en-US" dirty="0"/>
           </a:p>
         </p:txBody>
       </p:sp>
-      <p:pic>
-        <p:nvPicPr>
-          <p:cNvPr id="12" name="Content Placeholder 11" descr="linear-predictions.pdf"/>
-          <p:cNvPicPr>
-            <a:picLocks noGrp="1" noChangeAspect="1"/>
-          </p:cNvPicPr>
-          <p:nvPr>
-            <p:ph idx="1"/>
-          </p:nvPr>
-        </p:nvPicPr>
-        <p:blipFill>
-          <a:blip r:embed="rId2">
-            <a:extLst>
-              <a:ext uri="{28A0092B-C50C-407E-A947-70E740481C1C}">
-                <a14:useLocalDpi xmlns:a14="http://schemas.microsoft.com/office/drawing/2010/main" val="0"/>
-              </a:ext>
-            </a:extLst>
-          </a:blip>
-          <a:srcRect l="-3673" r="-3673"/>
-          <a:stretch>
-            <a:fillRect/>
-          </a:stretch>
-        </p:blipFill>
-        <p:spPr>
-          <a:xfrm>
-            <a:off x="237186" y="2540000"/>
-            <a:ext cx="8906814" cy="4148667"/>
-          </a:xfrm>
-        </p:spPr>
-      </p:pic>
     </p:spTree>
     <p:extLst>
       <p:ext uri="{BB962C8B-B14F-4D97-AF65-F5344CB8AC3E}">
-        <p14:creationId xmlns:p14="http://schemas.microsoft.com/office/powerpoint/2010/main" val="1908534129"/>
+        <p14:creationId xmlns:p14="http://schemas.microsoft.com/office/powerpoint/2010/main" val="2875009447"/>
       </p:ext>
     </p:extLst>
   </p:cSld>
   <p:clrMapOvr>
     <a:masterClrMapping/>
   </p:clrMapOvr>
-  <p:timing>
-    <p:tnLst>
-      <p:par>
-        <p:cTn xmlns:p14="http://schemas.microsoft.com/office/powerpoint/2010/main" id="1" dur="indefinite" restart="never" nodeType="tmRoot"/>
-      </p:par>
-    </p:tnLst>
-  </p:timing>
 </p:sld>
 </file>
 

--- a/docs/presentations/executive/mbta-capstone_executive.pptx
+++ b/docs/presentations/executive/mbta-capstone_executive.pptx
@@ -5,7 +5,7 @@
     <p:sldMasterId id="2147483744" r:id="rId1"/>
   </p:sldMasterIdLst>
   <p:notesMasterIdLst>
-    <p:notesMasterId r:id="rId17"/>
+    <p:notesMasterId r:id="rId30"/>
   </p:notesMasterIdLst>
   <p:sldIdLst>
     <p:sldId id="256" r:id="rId2"/>
@@ -16,13 +16,26 @@
     <p:sldId id="265" r:id="rId7"/>
     <p:sldId id="274" r:id="rId8"/>
     <p:sldId id="275" r:id="rId9"/>
-    <p:sldId id="279" r:id="rId10"/>
-    <p:sldId id="280" r:id="rId11"/>
-    <p:sldId id="276" r:id="rId12"/>
-    <p:sldId id="277" r:id="rId13"/>
-    <p:sldId id="278" r:id="rId14"/>
-    <p:sldId id="272" r:id="rId15"/>
-    <p:sldId id="267" r:id="rId16"/>
+    <p:sldId id="291" r:id="rId10"/>
+    <p:sldId id="289" r:id="rId11"/>
+    <p:sldId id="290" r:id="rId12"/>
+    <p:sldId id="282" r:id="rId13"/>
+    <p:sldId id="284" r:id="rId14"/>
+    <p:sldId id="285" r:id="rId15"/>
+    <p:sldId id="294" r:id="rId16"/>
+    <p:sldId id="279" r:id="rId17"/>
+    <p:sldId id="280" r:id="rId18"/>
+    <p:sldId id="295" r:id="rId19"/>
+    <p:sldId id="276" r:id="rId20"/>
+    <p:sldId id="277" r:id="rId21"/>
+    <p:sldId id="293" r:id="rId22"/>
+    <p:sldId id="286" r:id="rId23"/>
+    <p:sldId id="287" r:id="rId24"/>
+    <p:sldId id="296" r:id="rId25"/>
+    <p:sldId id="288" r:id="rId26"/>
+    <p:sldId id="278" r:id="rId27"/>
+    <p:sldId id="272" r:id="rId28"/>
+    <p:sldId id="267" r:id="rId29"/>
   </p:sldIdLst>
   <p:sldSz cx="9144000" cy="6858000" type="screen4x3"/>
   <p:notesSz cx="6858000" cy="9144000"/>
@@ -206,7 +219,7 @@
           <a:p>
             <a:fld id="{B20B5F6C-8E70-0345-9CCC-C63AA4BF8C5F}" type="datetimeFigureOut">
               <a:rPr lang="en-US" smtClean="0"/>
-              <a:t>5/13/15</a:t>
+              <a:t>5/14/15</a:t>
             </a:fld>
             <a:endParaRPr lang="en-US"/>
           </a:p>
@@ -2779,7 +2792,7 @@
             <a:fld id="{E30E2307-1E40-4E12-8716-25BFDA8E7013}" type="datetime1">
               <a:rPr lang="en-US" smtClean="0"/>
               <a:pPr/>
-              <a:t>5/13/15</a:t>
+              <a:t>5/14/15</a:t>
             </a:fld>
             <a:endParaRPr lang="en-US"/>
           </a:p>
@@ -2962,7 +2975,7 @@
             <a:fld id="{E5CFCF5A-EA79-452C-A52C-1A2668C2E7DF}" type="datetime1">
               <a:rPr lang="en-US" smtClean="0"/>
               <a:pPr/>
-              <a:t>5/13/15</a:t>
+              <a:t>5/14/15</a:t>
             </a:fld>
             <a:endParaRPr lang="en-US"/>
           </a:p>
@@ -3115,7 +3128,7 @@
             <a:fld id="{2E5C4C28-BD4B-4892-9A2D-6E19BD753A9A}" type="datetime1">
               <a:rPr lang="en-US" smtClean="0"/>
               <a:pPr/>
-              <a:t>5/13/15</a:t>
+              <a:t>5/14/15</a:t>
             </a:fld>
             <a:endParaRPr lang="en-US"/>
           </a:p>
@@ -4943,7 +4956,7 @@
             <a:fld id="{61FD9D02-426E-46C9-9EE9-0DE1EF8B2838}" type="datetime1">
               <a:rPr lang="en-US" smtClean="0"/>
               <a:pPr/>
-              <a:t>5/13/15</a:t>
+              <a:t>5/14/15</a:t>
             </a:fld>
             <a:endParaRPr lang="en-US"/>
           </a:p>
@@ -6815,7 +6828,7 @@
             <a:fld id="{7B8AEBBE-F8B2-42CF-9895-E86A608384EB}" type="datetime1">
               <a:rPr lang="en-US" smtClean="0"/>
               <a:pPr/>
-              <a:t>5/13/15</a:t>
+              <a:t>5/14/15</a:t>
             </a:fld>
             <a:endParaRPr lang="en-US"/>
           </a:p>
@@ -6930,7 +6943,7 @@
             <a:fld id="{E1FAA6B6-10E5-4810-BC9F-DA72D8452E73}" type="datetime1">
               <a:rPr lang="en-US" smtClean="0"/>
               <a:pPr/>
-              <a:t>5/13/15</a:t>
+              <a:t>5/14/15</a:t>
             </a:fld>
             <a:endParaRPr lang="en-US"/>
           </a:p>
@@ -7473,7 +7486,7 @@
             <a:fld id="{6D18D072-EF12-4AA2-BD71-ABC68B06D0E2}" type="datetime1">
               <a:rPr lang="en-US" smtClean="0"/>
               <a:pPr/>
-              <a:t>5/13/15</a:t>
+              <a:t>5/14/15</a:t>
             </a:fld>
             <a:endParaRPr lang="en-US"/>
           </a:p>
@@ -7588,7 +7601,7 @@
             <a:fld id="{B8CDBF60-6CC3-4B74-A60D-3486985E4346}" type="datetime1">
               <a:rPr lang="en-US" smtClean="0"/>
               <a:pPr/>
-              <a:t>5/13/15</a:t>
+              <a:t>5/14/15</a:t>
             </a:fld>
             <a:endParaRPr lang="en-US"/>
           </a:p>
@@ -9301,7 +9314,7 @@
             <a:fld id="{22714818-984F-4759-BF72-A33BDC1963BD}" type="datetime1">
               <a:rPr lang="en-US" smtClean="0"/>
               <a:pPr/>
-              <a:t>5/13/15</a:t>
+              <a:t>5/14/15</a:t>
             </a:fld>
             <a:endParaRPr lang="en-US"/>
           </a:p>
@@ -9454,7 +9467,7 @@
             <a:fld id="{9EA7E191-5F94-4FC1-B823-BD7CABF7FA06}" type="datetime1">
               <a:rPr lang="en-US" smtClean="0"/>
               <a:pPr/>
-              <a:t>5/13/15</a:t>
+              <a:t>5/14/15</a:t>
             </a:fld>
             <a:endParaRPr lang="en-US"/>
           </a:p>
@@ -13071,7 +13084,7 @@
             <a:fld id="{88856D55-EFBE-4F9B-8A5F-09D42CA22A9B}" type="datetime1">
               <a:rPr lang="en-US" smtClean="0"/>
               <a:pPr/>
-              <a:t>5/13/15</a:t>
+              <a:t>5/14/15</a:t>
             </a:fld>
             <a:endParaRPr lang="en-US"/>
           </a:p>
@@ -14932,7 +14945,7 @@
             <a:fld id="{9D1D110F-3F4E-48D9-B8AA-5D0E825AFDBA}" type="datetime1">
               <a:rPr lang="en-US" smtClean="0"/>
               <a:pPr/>
-              <a:t>5/13/15</a:t>
+              <a:t>5/14/15</a:t>
             </a:fld>
             <a:endParaRPr lang="en-US"/>
           </a:p>
@@ -15820,6 +15833,436 @@
           <a:chExt cx="0" cy="0"/>
         </a:xfrm>
       </p:grpSpPr>
+      <p:pic>
+        <p:nvPicPr>
+          <p:cNvPr id="4" name="Content Placeholder 3" descr="Screen Shot 2015-05-13 at 7.31.04 PM.png"/>
+          <p:cNvPicPr>
+            <a:picLocks noGrp="1" noChangeAspect="1"/>
+          </p:cNvPicPr>
+          <p:nvPr>
+            <p:ph idx="1"/>
+          </p:nvPr>
+        </p:nvPicPr>
+        <p:blipFill>
+          <a:blip r:embed="rId2">
+            <a:extLst>
+              <a:ext uri="{28A0092B-C50C-407E-A947-70E740481C1C}">
+                <a14:useLocalDpi xmlns:a14="http://schemas.microsoft.com/office/drawing/2010/main" val="0"/>
+              </a:ext>
+            </a:extLst>
+          </a:blip>
+          <a:srcRect l="-16684" r="-16684"/>
+          <a:stretch>
+            <a:fillRect/>
+          </a:stretch>
+        </p:blipFill>
+        <p:spPr/>
+      </p:pic>
+      <p:sp>
+        <p:nvSpPr>
+          <p:cNvPr id="3" name="Title 2"/>
+          <p:cNvSpPr>
+            <a:spLocks noGrp="1"/>
+          </p:cNvSpPr>
+          <p:nvPr>
+            <p:ph type="title"/>
+          </p:nvPr>
+        </p:nvSpPr>
+        <p:spPr/>
+        <p:txBody>
+          <a:bodyPr/>
+          <a:lstStyle/>
+          <a:p>
+            <a:r>
+              <a:rPr lang="en-US" dirty="0" smtClean="0"/>
+              <a:t>Oak Grove Ridership</a:t>
+            </a:r>
+            <a:endParaRPr lang="en-US" dirty="0"/>
+          </a:p>
+        </p:txBody>
+      </p:sp>
+    </p:spTree>
+    <p:extLst>
+      <p:ext uri="{BB962C8B-B14F-4D97-AF65-F5344CB8AC3E}">
+        <p14:creationId xmlns:p14="http://schemas.microsoft.com/office/powerpoint/2010/main" val="500265644"/>
+      </p:ext>
+    </p:extLst>
+  </p:cSld>
+  <p:clrMapOvr>
+    <a:masterClrMapping/>
+  </p:clrMapOvr>
+</p:sld>
+</file>
+
+<file path=ppt/slides/slide11.xml><?xml version="1.0" encoding="utf-8"?>
+<p:sld xmlns:a="http://schemas.openxmlformats.org/drawingml/2006/main" xmlns:r="http://schemas.openxmlformats.org/officeDocument/2006/relationships" xmlns:p="http://schemas.openxmlformats.org/presentationml/2006/main">
+  <p:cSld>
+    <p:spTree>
+      <p:nvGrpSpPr>
+        <p:cNvPr id="1" name=""/>
+        <p:cNvGrpSpPr/>
+        <p:nvPr/>
+      </p:nvGrpSpPr>
+      <p:grpSpPr>
+        <a:xfrm>
+          <a:off x="0" y="0"/>
+          <a:ext cx="0" cy="0"/>
+          <a:chOff x="0" y="0"/>
+          <a:chExt cx="0" cy="0"/>
+        </a:xfrm>
+      </p:grpSpPr>
+      <p:pic>
+        <p:nvPicPr>
+          <p:cNvPr id="4" name="Content Placeholder 3"/>
+          <p:cNvPicPr>
+            <a:picLocks noGrp="1" noChangeAspect="1"/>
+          </p:cNvPicPr>
+          <p:nvPr>
+            <p:ph idx="1"/>
+          </p:nvPr>
+        </p:nvPicPr>
+        <p:blipFill>
+          <a:blip r:embed="rId2">
+            <a:extLst>
+              <a:ext uri="{28A0092B-C50C-407E-A947-70E740481C1C}">
+                <a14:useLocalDpi xmlns:a14="http://schemas.microsoft.com/office/drawing/2010/main" val="0"/>
+              </a:ext>
+            </a:extLst>
+          </a:blip>
+          <a:stretch>
+            <a:fillRect/>
+          </a:stretch>
+        </p:blipFill>
+        <p:spPr>
+          <a:xfrm>
+            <a:off x="1844867" y="2675467"/>
+            <a:ext cx="5462733" cy="3450696"/>
+          </a:xfrm>
+        </p:spPr>
+      </p:pic>
+      <p:sp>
+        <p:nvSpPr>
+          <p:cNvPr id="3" name="Title 2"/>
+          <p:cNvSpPr>
+            <a:spLocks noGrp="1"/>
+          </p:cNvSpPr>
+          <p:nvPr>
+            <p:ph type="title"/>
+          </p:nvPr>
+        </p:nvSpPr>
+        <p:spPr/>
+        <p:txBody>
+          <a:bodyPr/>
+          <a:lstStyle/>
+          <a:p>
+            <a:r>
+              <a:rPr lang="en-US" dirty="0" smtClean="0"/>
+              <a:t>South Station Ridership</a:t>
+            </a:r>
+            <a:endParaRPr lang="en-US" dirty="0"/>
+          </a:p>
+        </p:txBody>
+      </p:sp>
+    </p:spTree>
+    <p:extLst>
+      <p:ext uri="{BB962C8B-B14F-4D97-AF65-F5344CB8AC3E}">
+        <p14:creationId xmlns:p14="http://schemas.microsoft.com/office/powerpoint/2010/main" val="1978712510"/>
+      </p:ext>
+    </p:extLst>
+  </p:cSld>
+  <p:clrMapOvr>
+    <a:masterClrMapping/>
+  </p:clrMapOvr>
+</p:sld>
+</file>
+
+<file path=ppt/slides/slide12.xml><?xml version="1.0" encoding="utf-8"?>
+<p:sld xmlns:a="http://schemas.openxmlformats.org/drawingml/2006/main" xmlns:r="http://schemas.openxmlformats.org/officeDocument/2006/relationships" xmlns:p="http://schemas.openxmlformats.org/presentationml/2006/main">
+  <p:cSld>
+    <p:spTree>
+      <p:nvGrpSpPr>
+        <p:cNvPr id="1" name=""/>
+        <p:cNvGrpSpPr/>
+        <p:nvPr/>
+      </p:nvGrpSpPr>
+      <p:grpSpPr>
+        <a:xfrm>
+          <a:off x="0" y="0"/>
+          <a:ext cx="0" cy="0"/>
+          <a:chOff x="0" y="0"/>
+          <a:chExt cx="0" cy="0"/>
+        </a:xfrm>
+      </p:grpSpPr>
+      <p:sp>
+        <p:nvSpPr>
+          <p:cNvPr id="3" name="Title 2"/>
+          <p:cNvSpPr>
+            <a:spLocks noGrp="1"/>
+          </p:cNvSpPr>
+          <p:nvPr>
+            <p:ph type="title"/>
+          </p:nvPr>
+        </p:nvSpPr>
+        <p:spPr/>
+        <p:txBody>
+          <a:bodyPr/>
+          <a:lstStyle/>
+          <a:p>
+            <a:r>
+              <a:rPr lang="en-US" dirty="0" smtClean="0"/>
+              <a:t>Similar Stations</a:t>
+            </a:r>
+            <a:endParaRPr lang="en-US" dirty="0"/>
+          </a:p>
+        </p:txBody>
+      </p:sp>
+      <p:pic>
+        <p:nvPicPr>
+          <p:cNvPr id="4" name="Picture 3"/>
+          <p:cNvPicPr>
+            <a:picLocks noChangeAspect="1"/>
+          </p:cNvPicPr>
+          <p:nvPr/>
+        </p:nvPicPr>
+        <p:blipFill>
+          <a:blip r:embed="rId2">
+            <a:extLst>
+              <a:ext uri="{28A0092B-C50C-407E-A947-70E740481C1C}">
+                <a14:useLocalDpi xmlns:a14="http://schemas.microsoft.com/office/drawing/2010/main" val="0"/>
+              </a:ext>
+            </a:extLst>
+          </a:blip>
+          <a:stretch>
+            <a:fillRect/>
+          </a:stretch>
+        </p:blipFill>
+        <p:spPr>
+          <a:xfrm>
+            <a:off x="0" y="2286000"/>
+            <a:ext cx="9144000" cy="4572000"/>
+          </a:xfrm>
+          <a:prstGeom prst="rect">
+            <a:avLst/>
+          </a:prstGeom>
+        </p:spPr>
+      </p:pic>
+    </p:spTree>
+    <p:extLst>
+      <p:ext uri="{BB962C8B-B14F-4D97-AF65-F5344CB8AC3E}">
+        <p14:creationId xmlns:p14="http://schemas.microsoft.com/office/powerpoint/2010/main" val="2448198043"/>
+      </p:ext>
+    </p:extLst>
+  </p:cSld>
+  <p:clrMapOvr>
+    <a:masterClrMapping/>
+  </p:clrMapOvr>
+  <p:timing>
+    <p:tnLst>
+      <p:par>
+        <p:cTn xmlns:p14="http://schemas.microsoft.com/office/powerpoint/2010/main" id="1" dur="indefinite" restart="never" nodeType="tmRoot"/>
+      </p:par>
+    </p:tnLst>
+  </p:timing>
+</p:sld>
+</file>
+
+<file path=ppt/slides/slide13.xml><?xml version="1.0" encoding="utf-8"?>
+<p:sld xmlns:a="http://schemas.openxmlformats.org/drawingml/2006/main" xmlns:r="http://schemas.openxmlformats.org/officeDocument/2006/relationships" xmlns:p="http://schemas.openxmlformats.org/presentationml/2006/main">
+  <p:cSld>
+    <p:spTree>
+      <p:nvGrpSpPr>
+        <p:cNvPr id="1" name=""/>
+        <p:cNvGrpSpPr/>
+        <p:nvPr/>
+      </p:nvGrpSpPr>
+      <p:grpSpPr>
+        <a:xfrm>
+          <a:off x="0" y="0"/>
+          <a:ext cx="0" cy="0"/>
+          <a:chOff x="0" y="0"/>
+          <a:chExt cx="0" cy="0"/>
+        </a:xfrm>
+      </p:grpSpPr>
+      <p:sp>
+        <p:nvSpPr>
+          <p:cNvPr id="3" name="Title 2"/>
+          <p:cNvSpPr>
+            <a:spLocks noGrp="1"/>
+          </p:cNvSpPr>
+          <p:nvPr>
+            <p:ph type="title"/>
+          </p:nvPr>
+        </p:nvSpPr>
+        <p:spPr/>
+        <p:txBody>
+          <a:bodyPr/>
+          <a:lstStyle/>
+          <a:p>
+            <a:r>
+              <a:rPr lang="en-US" dirty="0" smtClean="0"/>
+              <a:t>Dissimilar Stations</a:t>
+            </a:r>
+            <a:endParaRPr lang="en-US" dirty="0"/>
+          </a:p>
+        </p:txBody>
+      </p:sp>
+      <p:pic>
+        <p:nvPicPr>
+          <p:cNvPr id="4" name="Picture 3"/>
+          <p:cNvPicPr>
+            <a:picLocks noChangeAspect="1"/>
+          </p:cNvPicPr>
+          <p:nvPr/>
+        </p:nvPicPr>
+        <p:blipFill>
+          <a:blip r:embed="rId2">
+            <a:extLst>
+              <a:ext uri="{28A0092B-C50C-407E-A947-70E740481C1C}">
+                <a14:useLocalDpi xmlns:a14="http://schemas.microsoft.com/office/drawing/2010/main" val="0"/>
+              </a:ext>
+            </a:extLst>
+          </a:blip>
+          <a:stretch>
+            <a:fillRect/>
+          </a:stretch>
+        </p:blipFill>
+        <p:spPr>
+          <a:xfrm>
+            <a:off x="0" y="2286000"/>
+            <a:ext cx="9144000" cy="4572000"/>
+          </a:xfrm>
+          <a:prstGeom prst="rect">
+            <a:avLst/>
+          </a:prstGeom>
+        </p:spPr>
+      </p:pic>
+    </p:spTree>
+    <p:extLst>
+      <p:ext uri="{BB962C8B-B14F-4D97-AF65-F5344CB8AC3E}">
+        <p14:creationId xmlns:p14="http://schemas.microsoft.com/office/powerpoint/2010/main" val="2360803816"/>
+      </p:ext>
+    </p:extLst>
+  </p:cSld>
+  <p:clrMapOvr>
+    <a:masterClrMapping/>
+  </p:clrMapOvr>
+  <p:timing>
+    <p:tnLst>
+      <p:par>
+        <p:cTn xmlns:p14="http://schemas.microsoft.com/office/powerpoint/2010/main" id="1" dur="indefinite" restart="never" nodeType="tmRoot"/>
+      </p:par>
+    </p:tnLst>
+  </p:timing>
+</p:sld>
+</file>
+
+<file path=ppt/slides/slide14.xml><?xml version="1.0" encoding="utf-8"?>
+<p:sld xmlns:a="http://schemas.openxmlformats.org/drawingml/2006/main" xmlns:r="http://schemas.openxmlformats.org/officeDocument/2006/relationships" xmlns:p="http://schemas.openxmlformats.org/presentationml/2006/main">
+  <p:cSld>
+    <p:spTree>
+      <p:nvGrpSpPr>
+        <p:cNvPr id="1" name=""/>
+        <p:cNvGrpSpPr/>
+        <p:nvPr/>
+      </p:nvGrpSpPr>
+      <p:grpSpPr>
+        <a:xfrm>
+          <a:off x="0" y="0"/>
+          <a:ext cx="0" cy="0"/>
+          <a:chOff x="0" y="0"/>
+          <a:chExt cx="0" cy="0"/>
+        </a:xfrm>
+      </p:grpSpPr>
+      <p:sp>
+        <p:nvSpPr>
+          <p:cNvPr id="3" name="Title 2"/>
+          <p:cNvSpPr>
+            <a:spLocks noGrp="1"/>
+          </p:cNvSpPr>
+          <p:nvPr>
+            <p:ph type="title"/>
+          </p:nvPr>
+        </p:nvSpPr>
+        <p:spPr/>
+        <p:txBody>
+          <a:bodyPr/>
+          <a:lstStyle/>
+          <a:p>
+            <a:r>
+              <a:rPr lang="en-US" dirty="0" smtClean="0"/>
+              <a:t>Station Groupings</a:t>
+            </a:r>
+            <a:endParaRPr lang="en-US" dirty="0"/>
+          </a:p>
+        </p:txBody>
+      </p:sp>
+      <p:pic>
+        <p:nvPicPr>
+          <p:cNvPr id="4" name="Picture 3"/>
+          <p:cNvPicPr>
+            <a:picLocks noChangeAspect="1"/>
+          </p:cNvPicPr>
+          <p:nvPr/>
+        </p:nvPicPr>
+        <p:blipFill>
+          <a:blip r:embed="rId2" cstate="print">
+            <a:extLst>
+              <a:ext uri="{28A0092B-C50C-407E-A947-70E740481C1C}">
+                <a14:useLocalDpi xmlns:a14="http://schemas.microsoft.com/office/drawing/2010/main" val="0"/>
+              </a:ext>
+            </a:extLst>
+          </a:blip>
+          <a:stretch>
+            <a:fillRect/>
+          </a:stretch>
+        </p:blipFill>
+        <p:spPr>
+          <a:xfrm>
+            <a:off x="1964982" y="2590800"/>
+            <a:ext cx="4866436" cy="4267200"/>
+          </a:xfrm>
+          <a:prstGeom prst="rect">
+            <a:avLst/>
+          </a:prstGeom>
+        </p:spPr>
+      </p:pic>
+    </p:spTree>
+    <p:extLst>
+      <p:ext uri="{BB962C8B-B14F-4D97-AF65-F5344CB8AC3E}">
+        <p14:creationId xmlns:p14="http://schemas.microsoft.com/office/powerpoint/2010/main" val="3641018894"/>
+      </p:ext>
+    </p:extLst>
+  </p:cSld>
+  <p:clrMapOvr>
+    <a:masterClrMapping/>
+  </p:clrMapOvr>
+  <p:timing>
+    <p:tnLst>
+      <p:par>
+        <p:cTn xmlns:p14="http://schemas.microsoft.com/office/powerpoint/2010/main" id="1" dur="indefinite" restart="never" nodeType="tmRoot"/>
+      </p:par>
+    </p:tnLst>
+  </p:timing>
+</p:sld>
+</file>
+
+<file path=ppt/slides/slide15.xml><?xml version="1.0" encoding="utf-8"?>
+<p:sld xmlns:a="http://schemas.openxmlformats.org/drawingml/2006/main" xmlns:r="http://schemas.openxmlformats.org/officeDocument/2006/relationships" xmlns:p="http://schemas.openxmlformats.org/presentationml/2006/main">
+  <p:cSld>
+    <p:spTree>
+      <p:nvGrpSpPr>
+        <p:cNvPr id="1" name=""/>
+        <p:cNvGrpSpPr/>
+        <p:nvPr/>
+      </p:nvGrpSpPr>
+      <p:grpSpPr>
+        <a:xfrm>
+          <a:off x="0" y="0"/>
+          <a:ext cx="0" cy="0"/>
+          <a:chOff x="0" y="0"/>
+          <a:chExt cx="0" cy="0"/>
+        </a:xfrm>
+      </p:grpSpPr>
       <p:sp>
         <p:nvSpPr>
           <p:cNvPr id="2" name="Content Placeholder 1"/>
@@ -15830,34 +16273,48 @@
             <p:ph idx="1"/>
           </p:nvPr>
         </p:nvSpPr>
-        <p:spPr/>
+        <p:spPr>
+          <a:xfrm>
+            <a:off x="872067" y="2675467"/>
+            <a:ext cx="7408333" cy="4064000"/>
+          </a:xfrm>
+        </p:spPr>
         <p:txBody>
           <a:bodyPr/>
           <a:lstStyle/>
           <a:p>
+            <a:pPr marL="0" indent="0">
+              <a:buNone/>
+            </a:pPr>
+            <a:endParaRPr lang="en-US" dirty="0" smtClean="0"/>
+          </a:p>
+          <a:p>
+            <a:pPr marL="0" indent="0">
+              <a:buNone/>
+            </a:pPr>
+            <a:endParaRPr lang="en-US" dirty="0" smtClean="0"/>
+          </a:p>
+          <a:p>
             <a:r>
               <a:rPr lang="en-US" dirty="0" smtClean="0"/>
-              <a:t>Overall 94% Accuracy</a:t>
-            </a:r>
-          </a:p>
-          <a:p>
-            <a:r>
-              <a:rPr lang="en-US" dirty="0" smtClean="0"/>
-              <a:t>30 stations &gt; 95%</a:t>
-            </a:r>
-          </a:p>
-          <a:p>
-            <a:r>
-              <a:rPr lang="en-US" dirty="0" smtClean="0"/>
-              <a:t>4 stations </a:t>
+              <a:t>Predict </a:t>
             </a:r>
             <a:r>
-              <a:rPr lang="en-US" dirty="0" err="1" smtClean="0"/>
-              <a:t>bloe</a:t>
+              <a:rPr lang="en-US" b="1" dirty="0" smtClean="0"/>
+              <a:t>daily</a:t>
             </a:r>
             <a:r>
               <a:rPr lang="en-US" dirty="0" smtClean="0"/>
-              <a:t> &lt; 90% (Science Park, Community College, Riverside, Suffolk Downs)</a:t>
+              <a:t> entries for each station</a:t>
+            </a:r>
+          </a:p>
+          <a:p>
+            <a:endParaRPr lang="en-US" b="1" dirty="0"/>
+          </a:p>
+          <a:p>
+            <a:r>
+              <a:rPr lang="en-US" dirty="0" smtClean="0"/>
+              <a:t>Improve personnel allocation</a:t>
             </a:r>
             <a:endParaRPr lang="en-US" dirty="0"/>
           </a:p>
@@ -15880,8 +16337,468 @@
           <a:p>
             <a:r>
               <a:rPr lang="en-US" dirty="0" smtClean="0"/>
+              <a:t>Prediction</a:t>
+            </a:r>
+            <a:endParaRPr lang="en-US" dirty="0"/>
+          </a:p>
+        </p:txBody>
+      </p:sp>
+      <p:pic>
+        <p:nvPicPr>
+          <p:cNvPr id="5" name="Picture 4"/>
+          <p:cNvPicPr>
+            <a:picLocks noChangeAspect="1"/>
+          </p:cNvPicPr>
+          <p:nvPr/>
+        </p:nvPicPr>
+        <p:blipFill>
+          <a:blip r:embed="rId2">
+            <a:extLst>
+              <a:ext uri="{28A0092B-C50C-407E-A947-70E740481C1C}">
+                <a14:useLocalDpi xmlns:a14="http://schemas.microsoft.com/office/drawing/2010/main" val="0"/>
+              </a:ext>
+            </a:extLst>
+          </a:blip>
+          <a:stretch>
+            <a:fillRect/>
+          </a:stretch>
+        </p:blipFill>
+        <p:spPr>
+          <a:xfrm>
+            <a:off x="6934200" y="3613150"/>
+            <a:ext cx="1346200" cy="1346200"/>
+          </a:xfrm>
+          <a:prstGeom prst="rect">
+            <a:avLst/>
+          </a:prstGeom>
+        </p:spPr>
+      </p:pic>
+    </p:spTree>
+    <p:extLst>
+      <p:ext uri="{BB962C8B-B14F-4D97-AF65-F5344CB8AC3E}">
+        <p14:creationId xmlns:p14="http://schemas.microsoft.com/office/powerpoint/2010/main" val="1816458866"/>
+      </p:ext>
+    </p:extLst>
+  </p:cSld>
+  <p:clrMapOvr>
+    <a:masterClrMapping/>
+  </p:clrMapOvr>
+</p:sld>
+</file>
+
+<file path=ppt/slides/slide16.xml><?xml version="1.0" encoding="utf-8"?>
+<p:sld xmlns:a="http://schemas.openxmlformats.org/drawingml/2006/main" xmlns:r="http://schemas.openxmlformats.org/officeDocument/2006/relationships" xmlns:p="http://schemas.openxmlformats.org/presentationml/2006/main">
+  <p:cSld>
+    <p:spTree>
+      <p:nvGrpSpPr>
+        <p:cNvPr id="1" name=""/>
+        <p:cNvGrpSpPr/>
+        <p:nvPr/>
+      </p:nvGrpSpPr>
+      <p:grpSpPr>
+        <a:xfrm>
+          <a:off x="0" y="0"/>
+          <a:ext cx="0" cy="0"/>
+          <a:chOff x="0" y="0"/>
+          <a:chExt cx="0" cy="0"/>
+        </a:xfrm>
+      </p:grpSpPr>
+      <p:sp>
+        <p:nvSpPr>
+          <p:cNvPr id="2" name="Content Placeholder 1"/>
+          <p:cNvSpPr>
+            <a:spLocks noGrp="1"/>
+          </p:cNvSpPr>
+          <p:nvPr>
+            <p:ph idx="1"/>
+          </p:nvPr>
+        </p:nvSpPr>
+        <p:spPr>
+          <a:xfrm>
+            <a:off x="872067" y="3555999"/>
+            <a:ext cx="7408333" cy="2570163"/>
+          </a:xfrm>
+        </p:spPr>
+        <p:txBody>
+          <a:bodyPr/>
+          <a:lstStyle/>
+          <a:p>
+            <a:r>
+              <a:rPr lang="en-US" dirty="0" smtClean="0"/>
+              <a:t>Historical Entries</a:t>
+            </a:r>
+          </a:p>
+          <a:p>
+            <a:r>
+              <a:rPr lang="en-US" dirty="0" smtClean="0"/>
+              <a:t>Day/Month</a:t>
+            </a:r>
+            <a:endParaRPr lang="en-US" dirty="0"/>
+          </a:p>
+          <a:p>
+            <a:r>
+              <a:rPr lang="en-US" dirty="0" smtClean="0"/>
+              <a:t>Snowfall and </a:t>
+            </a:r>
+            <a:r>
+              <a:rPr lang="en-US" dirty="0"/>
+              <a:t>S</a:t>
+            </a:r>
+            <a:r>
+              <a:rPr lang="en-US" dirty="0" smtClean="0"/>
+              <a:t>now Accumulation</a:t>
+            </a:r>
+          </a:p>
+          <a:p>
+            <a:r>
+              <a:rPr lang="en-US" dirty="0" smtClean="0"/>
+              <a:t>Sporting Events (Bruins/Celtics/</a:t>
+            </a:r>
+            <a:r>
+              <a:rPr lang="en-US" dirty="0" err="1" smtClean="0"/>
+              <a:t>RedSox</a:t>
+            </a:r>
+            <a:r>
+              <a:rPr lang="en-US" dirty="0" smtClean="0"/>
+              <a:t>)</a:t>
+            </a:r>
+            <a:endParaRPr lang="en-US" dirty="0"/>
+          </a:p>
+        </p:txBody>
+      </p:sp>
+      <p:sp>
+        <p:nvSpPr>
+          <p:cNvPr id="3" name="Title 2"/>
+          <p:cNvSpPr>
+            <a:spLocks noGrp="1"/>
+          </p:cNvSpPr>
+          <p:nvPr>
+            <p:ph type="title"/>
+          </p:nvPr>
+        </p:nvSpPr>
+        <p:spPr/>
+        <p:txBody>
+          <a:bodyPr/>
+          <a:lstStyle/>
+          <a:p>
+            <a:r>
+              <a:rPr lang="en-US" dirty="0" smtClean="0"/>
+              <a:t>Prediction Features</a:t>
+            </a:r>
+            <a:endParaRPr lang="en-US" dirty="0"/>
+          </a:p>
+        </p:txBody>
+      </p:sp>
+    </p:spTree>
+    <p:extLst>
+      <p:ext uri="{BB962C8B-B14F-4D97-AF65-F5344CB8AC3E}">
+        <p14:creationId xmlns:p14="http://schemas.microsoft.com/office/powerpoint/2010/main" val="2875009447"/>
+      </p:ext>
+    </p:extLst>
+  </p:cSld>
+  <p:clrMapOvr>
+    <a:masterClrMapping/>
+  </p:clrMapOvr>
+  <p:timing>
+    <p:tnLst>
+      <p:par>
+        <p:cTn xmlns:p14="http://schemas.microsoft.com/office/powerpoint/2010/main" id="1" dur="indefinite" restart="never" nodeType="tmRoot"/>
+      </p:par>
+    </p:tnLst>
+  </p:timing>
+</p:sld>
+</file>
+
+<file path=ppt/slides/slide17.xml><?xml version="1.0" encoding="utf-8"?>
+<p:sld xmlns:a="http://schemas.openxmlformats.org/drawingml/2006/main" xmlns:r="http://schemas.openxmlformats.org/officeDocument/2006/relationships" xmlns:p="http://schemas.openxmlformats.org/presentationml/2006/main">
+  <p:cSld>
+    <p:spTree>
+      <p:nvGrpSpPr>
+        <p:cNvPr id="1" name=""/>
+        <p:cNvGrpSpPr/>
+        <p:nvPr/>
+      </p:nvGrpSpPr>
+      <p:grpSpPr>
+        <a:xfrm>
+          <a:off x="0" y="0"/>
+          <a:ext cx="0" cy="0"/>
+          <a:chOff x="0" y="0"/>
+          <a:chExt cx="0" cy="0"/>
+        </a:xfrm>
+      </p:grpSpPr>
+      <p:sp>
+        <p:nvSpPr>
+          <p:cNvPr id="2" name="Content Placeholder 1"/>
+          <p:cNvSpPr>
+            <a:spLocks noGrp="1"/>
+          </p:cNvSpPr>
+          <p:nvPr>
+            <p:ph idx="1"/>
+          </p:nvPr>
+        </p:nvSpPr>
+        <p:spPr>
+          <a:xfrm>
+            <a:off x="872067" y="3860800"/>
+            <a:ext cx="7408333" cy="1016000"/>
+          </a:xfrm>
+        </p:spPr>
+        <p:txBody>
+          <a:bodyPr/>
+          <a:lstStyle/>
+          <a:p>
+            <a:pPr marL="0" indent="0" algn="ctr">
+              <a:buNone/>
+            </a:pPr>
+            <a:r>
+              <a:rPr lang="en-US" sz="3600" b="1" dirty="0" smtClean="0"/>
+              <a:t>94% Accuracy</a:t>
+            </a:r>
+          </a:p>
+          <a:p>
+            <a:pPr marL="0" indent="0" algn="ctr">
+              <a:buNone/>
+            </a:pPr>
+            <a:r>
+              <a:rPr lang="en-US" sz="1600" dirty="0" smtClean="0"/>
+              <a:t>(Average across all stations)</a:t>
+            </a:r>
+          </a:p>
+          <a:p>
+            <a:pPr marL="0" indent="0" algn="ctr">
+              <a:buNone/>
+            </a:pPr>
+            <a:endParaRPr lang="en-US" dirty="0"/>
+          </a:p>
+        </p:txBody>
+      </p:sp>
+      <p:sp>
+        <p:nvSpPr>
+          <p:cNvPr id="3" name="Title 2"/>
+          <p:cNvSpPr>
+            <a:spLocks noGrp="1"/>
+          </p:cNvSpPr>
+          <p:nvPr>
+            <p:ph type="title"/>
+          </p:nvPr>
+        </p:nvSpPr>
+        <p:spPr/>
+        <p:txBody>
+          <a:bodyPr/>
+          <a:lstStyle/>
+          <a:p>
+            <a:r>
+              <a:rPr lang="en-US" dirty="0" smtClean="0"/>
               <a:t>Prediction Accuracy</a:t>
             </a:r>
+            <a:endParaRPr lang="en-US" dirty="0"/>
+          </a:p>
+        </p:txBody>
+      </p:sp>
+      <p:sp>
+        <p:nvSpPr>
+          <p:cNvPr id="6" name="Content Placeholder 1"/>
+          <p:cNvSpPr txBox="1">
+            <a:spLocks/>
+          </p:cNvSpPr>
+          <p:nvPr/>
+        </p:nvSpPr>
+        <p:spPr>
+          <a:xfrm>
+            <a:off x="872067" y="6062135"/>
+            <a:ext cx="7247467" cy="575731"/>
+          </a:xfrm>
+          <a:prstGeom prst="rect">
+            <a:avLst/>
+          </a:prstGeom>
+        </p:spPr>
+        <p:txBody>
+          <a:bodyPr vert="horz" lIns="91440" tIns="45720" rIns="91440" bIns="45720" rtlCol="0">
+            <a:normAutofit/>
+          </a:bodyPr>
+          <a:lstStyle>
+            <a:lvl1pPr marL="274320" indent="-274320" algn="l" defTabSz="914400" rtl="0" eaLnBrk="1" latinLnBrk="0" hangingPunct="1">
+              <a:spcBef>
+                <a:spcPct val="20000"/>
+              </a:spcBef>
+              <a:buClr>
+                <a:schemeClr val="accent1"/>
+              </a:buClr>
+              <a:buSzPct val="100000"/>
+              <a:buFont typeface="Symbol" pitchFamily="18" charset="2"/>
+              <a:buChar char=""/>
+              <a:defRPr sz="2400" kern="1200">
+                <a:solidFill>
+                  <a:schemeClr val="tx2"/>
+                </a:solidFill>
+                <a:latin typeface="+mn-lt"/>
+                <a:ea typeface="+mn-ea"/>
+                <a:cs typeface="+mn-cs"/>
+              </a:defRPr>
+            </a:lvl1pPr>
+            <a:lvl2pPr marL="576263" indent="-274320" algn="l" defTabSz="914400" rtl="0" eaLnBrk="1" latinLnBrk="0" hangingPunct="1">
+              <a:spcBef>
+                <a:spcPct val="20000"/>
+              </a:spcBef>
+              <a:buClr>
+                <a:schemeClr val="accent1"/>
+              </a:buClr>
+              <a:buSzPct val="100000"/>
+              <a:buFont typeface="Symbol" pitchFamily="18" charset="2"/>
+              <a:buChar char=""/>
+              <a:defRPr sz="2200" kern="1200">
+                <a:solidFill>
+                  <a:schemeClr val="tx2"/>
+                </a:solidFill>
+                <a:latin typeface="+mn-lt"/>
+                <a:ea typeface="+mn-ea"/>
+                <a:cs typeface="+mn-cs"/>
+              </a:defRPr>
+            </a:lvl2pPr>
+            <a:lvl3pPr marL="855663" indent="-228600" algn="l" defTabSz="914400" rtl="0" eaLnBrk="1" latinLnBrk="0" hangingPunct="1">
+              <a:spcBef>
+                <a:spcPct val="20000"/>
+              </a:spcBef>
+              <a:buClr>
+                <a:schemeClr val="accent1"/>
+              </a:buClr>
+              <a:buSzPct val="100000"/>
+              <a:buFont typeface="Symbol" pitchFamily="18" charset="2"/>
+              <a:buChar char=""/>
+              <a:defRPr sz="2000" kern="1200">
+                <a:solidFill>
+                  <a:schemeClr val="tx2"/>
+                </a:solidFill>
+                <a:latin typeface="+mn-lt"/>
+                <a:ea typeface="+mn-ea"/>
+                <a:cs typeface="+mn-cs"/>
+              </a:defRPr>
+            </a:lvl3pPr>
+            <a:lvl4pPr marL="1143000" indent="-228600" algn="l" defTabSz="914400" rtl="0" eaLnBrk="1" latinLnBrk="0" hangingPunct="1">
+              <a:spcBef>
+                <a:spcPct val="20000"/>
+              </a:spcBef>
+              <a:buClr>
+                <a:schemeClr val="accent1"/>
+              </a:buClr>
+              <a:buSzPct val="100000"/>
+              <a:buFont typeface="Symbol" pitchFamily="18" charset="2"/>
+              <a:buChar char=""/>
+              <a:defRPr sz="1800" kern="1200">
+                <a:solidFill>
+                  <a:schemeClr val="tx2"/>
+                </a:solidFill>
+                <a:latin typeface="+mn-lt"/>
+                <a:ea typeface="+mn-ea"/>
+                <a:cs typeface="+mn-cs"/>
+              </a:defRPr>
+            </a:lvl4pPr>
+            <a:lvl5pPr marL="1463040" indent="-228600" algn="l" defTabSz="914400" rtl="0" eaLnBrk="1" latinLnBrk="0" hangingPunct="1">
+              <a:spcBef>
+                <a:spcPct val="20000"/>
+              </a:spcBef>
+              <a:buClr>
+                <a:schemeClr val="accent1"/>
+              </a:buClr>
+              <a:buSzPct val="100000"/>
+              <a:buFont typeface="Symbol" pitchFamily="18" charset="2"/>
+              <a:buChar char=""/>
+              <a:defRPr sz="1600" kern="1200">
+                <a:solidFill>
+                  <a:schemeClr val="tx2"/>
+                </a:solidFill>
+                <a:latin typeface="+mn-lt"/>
+                <a:ea typeface="+mn-ea"/>
+                <a:cs typeface="+mn-cs"/>
+              </a:defRPr>
+            </a:lvl5pPr>
+            <a:lvl6pPr marL="1783080" indent="-228600" algn="l" defTabSz="914400" rtl="0" eaLnBrk="1" latinLnBrk="0" hangingPunct="1">
+              <a:spcBef>
+                <a:spcPts val="384"/>
+              </a:spcBef>
+              <a:buClr>
+                <a:schemeClr val="accent1"/>
+              </a:buClr>
+              <a:buFont typeface="Symbol" pitchFamily="18" charset="2"/>
+              <a:buChar char="*"/>
+              <a:defRPr sz="1400" kern="1200">
+                <a:solidFill>
+                  <a:schemeClr val="tx2"/>
+                </a:solidFill>
+                <a:latin typeface="+mn-lt"/>
+                <a:ea typeface="+mn-ea"/>
+                <a:cs typeface="+mn-cs"/>
+              </a:defRPr>
+            </a:lvl6pPr>
+            <a:lvl7pPr marL="2103120" indent="-228600" algn="l" defTabSz="914400" rtl="0" eaLnBrk="1" latinLnBrk="0" hangingPunct="1">
+              <a:spcBef>
+                <a:spcPts val="384"/>
+              </a:spcBef>
+              <a:buClr>
+                <a:schemeClr val="accent1"/>
+              </a:buClr>
+              <a:buFont typeface="Symbol" pitchFamily="18" charset="2"/>
+              <a:buChar char="*"/>
+              <a:defRPr sz="1400" kern="1200">
+                <a:solidFill>
+                  <a:schemeClr val="tx2"/>
+                </a:solidFill>
+                <a:latin typeface="+mn-lt"/>
+                <a:ea typeface="+mn-ea"/>
+                <a:cs typeface="+mn-cs"/>
+              </a:defRPr>
+            </a:lvl7pPr>
+            <a:lvl8pPr marL="2423160" indent="-228600" algn="l" defTabSz="914400" rtl="0" eaLnBrk="1" latinLnBrk="0" hangingPunct="1">
+              <a:spcBef>
+                <a:spcPts val="384"/>
+              </a:spcBef>
+              <a:buClr>
+                <a:schemeClr val="accent1"/>
+              </a:buClr>
+              <a:buFont typeface="Symbol" pitchFamily="18" charset="2"/>
+              <a:buChar char="*"/>
+              <a:defRPr sz="1400" kern="1200">
+                <a:solidFill>
+                  <a:schemeClr val="tx2"/>
+                </a:solidFill>
+                <a:latin typeface="+mn-lt"/>
+                <a:ea typeface="+mn-ea"/>
+                <a:cs typeface="+mn-cs"/>
+              </a:defRPr>
+            </a:lvl8pPr>
+            <a:lvl9pPr marL="2743200" indent="-228600" algn="l" defTabSz="914400" rtl="0" eaLnBrk="1" latinLnBrk="0" hangingPunct="1">
+              <a:spcBef>
+                <a:spcPts val="384"/>
+              </a:spcBef>
+              <a:buClr>
+                <a:schemeClr val="accent1"/>
+              </a:buClr>
+              <a:buFont typeface="Symbol" pitchFamily="18" charset="2"/>
+              <a:buChar char="*"/>
+              <a:defRPr sz="1400" kern="1200">
+                <a:solidFill>
+                  <a:schemeClr val="tx2"/>
+                </a:solidFill>
+                <a:latin typeface="+mn-lt"/>
+                <a:ea typeface="+mn-ea"/>
+                <a:cs typeface="+mn-cs"/>
+              </a:defRPr>
+            </a:lvl9pPr>
+          </a:lstStyle>
+          <a:p>
+            <a:pPr marL="0" indent="0" algn="ctr">
+              <a:buFont typeface="Symbol" pitchFamily="18" charset="2"/>
+              <a:buNone/>
+            </a:pPr>
+            <a:r>
+              <a:rPr lang="en-US" sz="1600" dirty="0" smtClean="0"/>
+              <a:t>Outliers: Science Park, Community College, Riverside, and Suffolk Downs</a:t>
+            </a:r>
+          </a:p>
+          <a:p>
+            <a:pPr marL="0" indent="0" algn="ctr">
+              <a:buFont typeface="Symbol" pitchFamily="18" charset="2"/>
+              <a:buNone/>
+            </a:pPr>
             <a:endParaRPr lang="en-US" dirty="0"/>
           </a:p>
         </p:txBody>
@@ -15896,10 +16813,161 @@
   <p:clrMapOvr>
     <a:masterClrMapping/>
   </p:clrMapOvr>
+  <p:timing>
+    <p:tnLst>
+      <p:par>
+        <p:cTn xmlns:p14="http://schemas.microsoft.com/office/powerpoint/2010/main" id="1" dur="indefinite" restart="never" nodeType="tmRoot"/>
+      </p:par>
+    </p:tnLst>
+  </p:timing>
 </p:sld>
 </file>
 
-<file path=ppt/slides/slide11.xml><?xml version="1.0" encoding="utf-8"?>
+<file path=ppt/slides/slide18.xml><?xml version="1.0" encoding="utf-8"?>
+<p:sld xmlns:a="http://schemas.openxmlformats.org/drawingml/2006/main" xmlns:r="http://schemas.openxmlformats.org/officeDocument/2006/relationships" xmlns:p="http://schemas.openxmlformats.org/presentationml/2006/main">
+  <p:cSld>
+    <p:spTree>
+      <p:nvGrpSpPr>
+        <p:cNvPr id="1" name=""/>
+        <p:cNvGrpSpPr/>
+        <p:nvPr/>
+      </p:nvGrpSpPr>
+      <p:grpSpPr>
+        <a:xfrm>
+          <a:off x="0" y="0"/>
+          <a:ext cx="0" cy="0"/>
+          <a:chOff x="0" y="0"/>
+          <a:chExt cx="0" cy="0"/>
+        </a:xfrm>
+      </p:grpSpPr>
+      <p:sp>
+        <p:nvSpPr>
+          <p:cNvPr id="2" name="Content Placeholder 1"/>
+          <p:cNvSpPr>
+            <a:spLocks noGrp="1"/>
+          </p:cNvSpPr>
+          <p:nvPr>
+            <p:ph idx="1"/>
+          </p:nvPr>
+        </p:nvSpPr>
+        <p:spPr>
+          <a:xfrm>
+            <a:off x="872067" y="2675467"/>
+            <a:ext cx="7408333" cy="4064000"/>
+          </a:xfrm>
+        </p:spPr>
+        <p:txBody>
+          <a:bodyPr/>
+          <a:lstStyle/>
+          <a:p>
+            <a:pPr marL="0" indent="0">
+              <a:buNone/>
+            </a:pPr>
+            <a:endParaRPr lang="en-US" dirty="0" smtClean="0"/>
+          </a:p>
+          <a:p>
+            <a:pPr marL="0" indent="0">
+              <a:buNone/>
+            </a:pPr>
+            <a:endParaRPr lang="en-US" dirty="0" smtClean="0"/>
+          </a:p>
+          <a:p>
+            <a:r>
+              <a:rPr lang="en-US" dirty="0" smtClean="0"/>
+              <a:t>Analyze </a:t>
+            </a:r>
+            <a:r>
+              <a:rPr lang="en-US" b="1" dirty="0" smtClean="0"/>
+              <a:t>snow</a:t>
+            </a:r>
+            <a:r>
+              <a:rPr lang="en-US" dirty="0" smtClean="0"/>
+              <a:t> and rain trends</a:t>
+            </a:r>
+          </a:p>
+          <a:p>
+            <a:endParaRPr lang="en-US" b="1" dirty="0"/>
+          </a:p>
+          <a:p>
+            <a:r>
+              <a:rPr lang="en-US" dirty="0" smtClean="0"/>
+              <a:t>Understand change in </a:t>
+            </a:r>
+            <a:r>
+              <a:rPr lang="en-US" b="1" dirty="0" smtClean="0"/>
+              <a:t>demand</a:t>
+            </a:r>
+            <a:endParaRPr lang="en-US" b="1" dirty="0"/>
+          </a:p>
+        </p:txBody>
+      </p:sp>
+      <p:sp>
+        <p:nvSpPr>
+          <p:cNvPr id="3" name="Title 2"/>
+          <p:cNvSpPr>
+            <a:spLocks noGrp="1"/>
+          </p:cNvSpPr>
+          <p:nvPr>
+            <p:ph type="title"/>
+          </p:nvPr>
+        </p:nvSpPr>
+        <p:spPr/>
+        <p:txBody>
+          <a:bodyPr/>
+          <a:lstStyle/>
+          <a:p>
+            <a:r>
+              <a:rPr lang="en-US" dirty="0" smtClean="0"/>
+              <a:t>Weather and MBTA</a:t>
+            </a:r>
+            <a:endParaRPr lang="en-US" dirty="0"/>
+          </a:p>
+        </p:txBody>
+      </p:sp>
+      <p:pic>
+        <p:nvPicPr>
+          <p:cNvPr id="5" name="Picture 4"/>
+          <p:cNvPicPr>
+            <a:picLocks noChangeAspect="1"/>
+          </p:cNvPicPr>
+          <p:nvPr/>
+        </p:nvPicPr>
+        <p:blipFill>
+          <a:blip r:embed="rId2" cstate="print">
+            <a:extLst>
+              <a:ext uri="{28A0092B-C50C-407E-A947-70E740481C1C}">
+                <a14:useLocalDpi xmlns:a14="http://schemas.microsoft.com/office/drawing/2010/main" val="0"/>
+              </a:ext>
+            </a:extLst>
+          </a:blip>
+          <a:stretch>
+            <a:fillRect/>
+          </a:stretch>
+        </p:blipFill>
+        <p:spPr>
+          <a:xfrm>
+            <a:off x="6934200" y="3613150"/>
+            <a:ext cx="1346200" cy="1346200"/>
+          </a:xfrm>
+          <a:prstGeom prst="rect">
+            <a:avLst/>
+          </a:prstGeom>
+        </p:spPr>
+      </p:pic>
+    </p:spTree>
+    <p:extLst>
+      <p:ext uri="{BB962C8B-B14F-4D97-AF65-F5344CB8AC3E}">
+        <p14:creationId xmlns:p14="http://schemas.microsoft.com/office/powerpoint/2010/main" val="1457310322"/>
+      </p:ext>
+    </p:extLst>
+  </p:cSld>
+  <p:clrMapOvr>
+    <a:masterClrMapping/>
+  </p:clrMapOvr>
+</p:sld>
+</file>
+
+<file path=ppt/slides/slide19.xml><?xml version="1.0" encoding="utf-8"?>
 <p:sld xmlns:a="http://schemas.openxmlformats.org/drawingml/2006/main" xmlns:r="http://schemas.openxmlformats.org/officeDocument/2006/relationships" xmlns:p="http://schemas.openxmlformats.org/presentationml/2006/main">
   <p:cSld>
     <p:spTree>
@@ -15989,7 +17057,155 @@
 </p:sld>
 </file>
 
-<file path=ppt/slides/slide12.xml><?xml version="1.0" encoding="utf-8"?>
+<file path=ppt/slides/slide2.xml><?xml version="1.0" encoding="utf-8"?>
+<p:sld xmlns:a="http://schemas.openxmlformats.org/drawingml/2006/main" xmlns:r="http://schemas.openxmlformats.org/officeDocument/2006/relationships" xmlns:p="http://schemas.openxmlformats.org/presentationml/2006/main">
+  <p:cSld>
+    <p:spTree>
+      <p:nvGrpSpPr>
+        <p:cNvPr id="1" name=""/>
+        <p:cNvGrpSpPr/>
+        <p:nvPr/>
+      </p:nvGrpSpPr>
+      <p:grpSpPr>
+        <a:xfrm>
+          <a:off x="0" y="0"/>
+          <a:ext cx="0" cy="0"/>
+          <a:chOff x="0" y="0"/>
+          <a:chExt cx="0" cy="0"/>
+        </a:xfrm>
+      </p:grpSpPr>
+      <p:sp>
+        <p:nvSpPr>
+          <p:cNvPr id="3" name="Title 2"/>
+          <p:cNvSpPr>
+            <a:spLocks noGrp="1"/>
+          </p:cNvSpPr>
+          <p:nvPr>
+            <p:ph type="title"/>
+          </p:nvPr>
+        </p:nvSpPr>
+        <p:spPr/>
+        <p:txBody>
+          <a:bodyPr/>
+          <a:lstStyle/>
+          <a:p>
+            <a:r>
+              <a:rPr lang="en-US" dirty="0" smtClean="0"/>
+              <a:t>Overview</a:t>
+            </a:r>
+            <a:endParaRPr lang="en-US" dirty="0"/>
+          </a:p>
+        </p:txBody>
+      </p:sp>
+      <p:pic>
+        <p:nvPicPr>
+          <p:cNvPr id="4" name="Picture 3" descr="big-data.jpg"/>
+          <p:cNvPicPr>
+            <a:picLocks noChangeAspect="1"/>
+          </p:cNvPicPr>
+          <p:nvPr/>
+        </p:nvPicPr>
+        <p:blipFill>
+          <a:blip r:embed="rId3">
+            <a:extLst>
+              <a:ext uri="{28A0092B-C50C-407E-A947-70E740481C1C}">
+                <a14:useLocalDpi xmlns:a14="http://schemas.microsoft.com/office/drawing/2010/main" val="0"/>
+              </a:ext>
+            </a:extLst>
+          </a:blip>
+          <a:stretch>
+            <a:fillRect/>
+          </a:stretch>
+        </p:blipFill>
+        <p:spPr>
+          <a:xfrm>
+            <a:off x="5065757" y="3065521"/>
+            <a:ext cx="3810000" cy="2603500"/>
+          </a:xfrm>
+          <a:prstGeom prst="rect">
+            <a:avLst/>
+          </a:prstGeom>
+        </p:spPr>
+      </p:pic>
+      <p:sp>
+        <p:nvSpPr>
+          <p:cNvPr id="8" name="Content Placeholder 1"/>
+          <p:cNvSpPr>
+            <a:spLocks noGrp="1"/>
+          </p:cNvSpPr>
+          <p:nvPr>
+            <p:ph idx="1"/>
+          </p:nvPr>
+        </p:nvSpPr>
+        <p:spPr>
+          <a:xfrm>
+            <a:off x="457200" y="3563740"/>
+            <a:ext cx="7408333" cy="2024657"/>
+          </a:xfrm>
+        </p:spPr>
+        <p:txBody>
+          <a:bodyPr>
+            <a:normAutofit/>
+          </a:bodyPr>
+          <a:lstStyle/>
+          <a:p>
+            <a:r>
+              <a:rPr lang="en-US" dirty="0" smtClean="0">
+                <a:solidFill>
+                  <a:schemeClr val="tx1"/>
+                </a:solidFill>
+              </a:rPr>
+              <a:t>Public Transit Agencies</a:t>
+            </a:r>
+          </a:p>
+          <a:p>
+            <a:endParaRPr lang="en-US" dirty="0" smtClean="0">
+              <a:solidFill>
+                <a:schemeClr val="tx1"/>
+              </a:solidFill>
+            </a:endParaRPr>
+          </a:p>
+          <a:p>
+            <a:endParaRPr lang="en-US" dirty="0" smtClean="0">
+              <a:solidFill>
+                <a:schemeClr val="tx1"/>
+              </a:solidFill>
+            </a:endParaRPr>
+          </a:p>
+          <a:p>
+            <a:r>
+              <a:rPr lang="en-US" dirty="0" smtClean="0">
+                <a:solidFill>
+                  <a:schemeClr val="tx1"/>
+                </a:solidFill>
+              </a:rPr>
+              <a:t>Transportation Data</a:t>
+            </a:r>
+            <a:endParaRPr lang="en-US" dirty="0"/>
+          </a:p>
+        </p:txBody>
+      </p:sp>
+    </p:spTree>
+    <p:extLst>
+      <p:ext uri="{BB962C8B-B14F-4D97-AF65-F5344CB8AC3E}">
+        <p14:creationId xmlns:p14="http://schemas.microsoft.com/office/powerpoint/2010/main" val="2323555005"/>
+      </p:ext>
+    </p:extLst>
+  </p:cSld>
+  <p:clrMapOvr>
+    <a:masterClrMapping/>
+  </p:clrMapOvr>
+  <p:timing>
+    <p:tnLst>
+      <p:par>
+        <p:cTn xmlns:p14="http://schemas.microsoft.com/office/powerpoint/2010/main" id="1" dur="indefinite" restart="never" nodeType="tmRoot"/>
+      </p:par>
+    </p:tnLst>
+  </p:timing>
+</p:sld>
+</file>
+
+<file path=ppt/slides/slide20.xml><?xml version="1.0" encoding="utf-8"?>
 <p:sld xmlns:a="http://schemas.openxmlformats.org/drawingml/2006/main" xmlns:r="http://schemas.openxmlformats.org/officeDocument/2006/relationships" xmlns:p="http://schemas.openxmlformats.org/presentationml/2006/main">
   <p:cSld>
     <p:spTree>
@@ -16127,7 +17343,577 @@
 </p:sld>
 </file>
 
-<file path=ppt/slides/slide13.xml><?xml version="1.0" encoding="utf-8"?>
+<file path=ppt/slides/slide21.xml><?xml version="1.0" encoding="utf-8"?>
+<p:sld xmlns:a="http://schemas.openxmlformats.org/drawingml/2006/main" xmlns:r="http://schemas.openxmlformats.org/officeDocument/2006/relationships" xmlns:p="http://schemas.openxmlformats.org/presentationml/2006/main">
+  <p:cSld>
+    <p:spTree>
+      <p:nvGrpSpPr>
+        <p:cNvPr id="1" name=""/>
+        <p:cNvGrpSpPr/>
+        <p:nvPr/>
+      </p:nvGrpSpPr>
+      <p:grpSpPr>
+        <a:xfrm>
+          <a:off x="0" y="0"/>
+          <a:ext cx="0" cy="0"/>
+          <a:chOff x="0" y="0"/>
+          <a:chExt cx="0" cy="0"/>
+        </a:xfrm>
+      </p:grpSpPr>
+      <p:sp>
+        <p:nvSpPr>
+          <p:cNvPr id="2" name="Content Placeholder 1"/>
+          <p:cNvSpPr>
+            <a:spLocks noGrp="1"/>
+          </p:cNvSpPr>
+          <p:nvPr>
+            <p:ph idx="1"/>
+          </p:nvPr>
+        </p:nvSpPr>
+        <p:spPr>
+          <a:xfrm>
+            <a:off x="872067" y="2675467"/>
+            <a:ext cx="7408333" cy="4064000"/>
+          </a:xfrm>
+        </p:spPr>
+        <p:txBody>
+          <a:bodyPr/>
+          <a:lstStyle/>
+          <a:p>
+            <a:r>
+              <a:rPr lang="en-US" dirty="0" smtClean="0"/>
+              <a:t>Focus on Red Sox, Bruins, Celtics</a:t>
+            </a:r>
+          </a:p>
+          <a:p>
+            <a:pPr marL="0" indent="0">
+              <a:buNone/>
+            </a:pPr>
+            <a:endParaRPr lang="en-US" dirty="0"/>
+          </a:p>
+          <a:p>
+            <a:r>
+              <a:rPr lang="en-US" dirty="0" smtClean="0"/>
+              <a:t>Spikes in demand before and after events</a:t>
+            </a:r>
+          </a:p>
+          <a:p>
+            <a:pPr marL="0" indent="0">
+              <a:buNone/>
+            </a:pPr>
+            <a:endParaRPr lang="en-US" dirty="0"/>
+          </a:p>
+          <a:p>
+            <a:r>
+              <a:rPr lang="en-US" b="1" dirty="0" smtClean="0"/>
+              <a:t>Entry Lift:</a:t>
+            </a:r>
+            <a:r>
+              <a:rPr lang="en-US" dirty="0" smtClean="0"/>
+              <a:t> increase in entries versus game-less days and times</a:t>
+            </a:r>
+          </a:p>
+          <a:p>
+            <a:pPr lvl="1"/>
+            <a:r>
+              <a:rPr lang="en-US" dirty="0" smtClean="0"/>
+              <a:t>Pre-game </a:t>
+            </a:r>
+            <a:r>
+              <a:rPr lang="en-US" dirty="0"/>
+              <a:t>lift across the </a:t>
+            </a:r>
+            <a:r>
+              <a:rPr lang="en-US" dirty="0" smtClean="0"/>
+              <a:t>system</a:t>
+            </a:r>
+            <a:endParaRPr lang="en-US" dirty="0"/>
+          </a:p>
+          <a:p>
+            <a:pPr lvl="1"/>
+            <a:r>
+              <a:rPr lang="en-US" dirty="0" smtClean="0"/>
+              <a:t>Post-game </a:t>
+            </a:r>
+            <a:r>
+              <a:rPr lang="en-US" dirty="0"/>
+              <a:t>lift at nearby </a:t>
+            </a:r>
+            <a:r>
+              <a:rPr lang="en-US" dirty="0" smtClean="0"/>
+              <a:t>stations</a:t>
+            </a:r>
+            <a:endParaRPr lang="en-US" dirty="0"/>
+          </a:p>
+        </p:txBody>
+      </p:sp>
+      <p:sp>
+        <p:nvSpPr>
+          <p:cNvPr id="3" name="Title 2"/>
+          <p:cNvSpPr>
+            <a:spLocks noGrp="1"/>
+          </p:cNvSpPr>
+          <p:nvPr>
+            <p:ph type="title"/>
+          </p:nvPr>
+        </p:nvSpPr>
+        <p:spPr/>
+        <p:txBody>
+          <a:bodyPr/>
+          <a:lstStyle/>
+          <a:p>
+            <a:r>
+              <a:rPr lang="en-US" dirty="0" smtClean="0"/>
+              <a:t>Sports and the MBTA</a:t>
+            </a:r>
+            <a:endParaRPr lang="en-US" dirty="0"/>
+          </a:p>
+        </p:txBody>
+      </p:sp>
+      <p:pic>
+        <p:nvPicPr>
+          <p:cNvPr id="4" name="Picture 3" descr="Red-Sox-Logo2.jpg"/>
+          <p:cNvPicPr>
+            <a:picLocks noChangeAspect="1"/>
+          </p:cNvPicPr>
+          <p:nvPr/>
+        </p:nvPicPr>
+        <p:blipFill>
+          <a:blip r:embed="rId2">
+            <a:extLst>
+              <a:ext uri="{28A0092B-C50C-407E-A947-70E740481C1C}">
+                <a14:useLocalDpi xmlns:a14="http://schemas.microsoft.com/office/drawing/2010/main" val="0"/>
+              </a:ext>
+            </a:extLst>
+          </a:blip>
+          <a:stretch>
+            <a:fillRect/>
+          </a:stretch>
+        </p:blipFill>
+        <p:spPr>
+          <a:xfrm>
+            <a:off x="6860901" y="2777066"/>
+            <a:ext cx="2198432" cy="1202268"/>
+          </a:xfrm>
+          <a:prstGeom prst="rect">
+            <a:avLst/>
+          </a:prstGeom>
+        </p:spPr>
+      </p:pic>
+    </p:spTree>
+    <p:extLst>
+      <p:ext uri="{BB962C8B-B14F-4D97-AF65-F5344CB8AC3E}">
+        <p14:creationId xmlns:p14="http://schemas.microsoft.com/office/powerpoint/2010/main" val="1469202627"/>
+      </p:ext>
+    </p:extLst>
+  </p:cSld>
+  <p:clrMapOvr>
+    <a:masterClrMapping/>
+  </p:clrMapOvr>
+</p:sld>
+</file>
+
+<file path=ppt/slides/slide22.xml><?xml version="1.0" encoding="utf-8"?>
+<p:sld xmlns:a="http://schemas.openxmlformats.org/drawingml/2006/main" xmlns:r="http://schemas.openxmlformats.org/officeDocument/2006/relationships" xmlns:p="http://schemas.openxmlformats.org/presentationml/2006/main">
+  <p:cSld>
+    <p:spTree>
+      <p:nvGrpSpPr>
+        <p:cNvPr id="1" name=""/>
+        <p:cNvGrpSpPr/>
+        <p:nvPr/>
+      </p:nvGrpSpPr>
+      <p:grpSpPr>
+        <a:xfrm>
+          <a:off x="0" y="0"/>
+          <a:ext cx="0" cy="0"/>
+          <a:chOff x="0" y="0"/>
+          <a:chExt cx="0" cy="0"/>
+        </a:xfrm>
+      </p:grpSpPr>
+      <p:sp>
+        <p:nvSpPr>
+          <p:cNvPr id="3" name="Title 2"/>
+          <p:cNvSpPr>
+            <a:spLocks noGrp="1"/>
+          </p:cNvSpPr>
+          <p:nvPr>
+            <p:ph type="title"/>
+          </p:nvPr>
+        </p:nvSpPr>
+        <p:spPr/>
+        <p:txBody>
+          <a:bodyPr/>
+          <a:lstStyle/>
+          <a:p>
+            <a:r>
+              <a:rPr lang="en-US" dirty="0" smtClean="0"/>
+              <a:t>Pre-game Entry Over Time</a:t>
+            </a:r>
+            <a:endParaRPr lang="en-US" dirty="0"/>
+          </a:p>
+        </p:txBody>
+      </p:sp>
+      <p:pic>
+        <p:nvPicPr>
+          <p:cNvPr id="12" name="Content Placeholder 11"/>
+          <p:cNvPicPr>
+            <a:picLocks noGrp="1" noChangeAspect="1"/>
+          </p:cNvPicPr>
+          <p:nvPr>
+            <p:ph idx="1"/>
+          </p:nvPr>
+        </p:nvPicPr>
+        <p:blipFill>
+          <a:blip r:embed="rId2">
+            <a:extLst>
+              <a:ext uri="{28A0092B-C50C-407E-A947-70E740481C1C}">
+                <a14:useLocalDpi xmlns:a14="http://schemas.microsoft.com/office/drawing/2010/main" val="0"/>
+              </a:ext>
+            </a:extLst>
+          </a:blip>
+          <a:stretch>
+            <a:fillRect/>
+          </a:stretch>
+        </p:blipFill>
+        <p:spPr>
+          <a:xfrm>
+            <a:off x="541926" y="2540000"/>
+            <a:ext cx="8297334" cy="4148667"/>
+          </a:xfrm>
+        </p:spPr>
+      </p:pic>
+    </p:spTree>
+    <p:extLst>
+      <p:ext uri="{BB962C8B-B14F-4D97-AF65-F5344CB8AC3E}">
+        <p14:creationId xmlns:p14="http://schemas.microsoft.com/office/powerpoint/2010/main" val="1216614260"/>
+      </p:ext>
+    </p:extLst>
+  </p:cSld>
+  <p:clrMapOvr>
+    <a:masterClrMapping/>
+  </p:clrMapOvr>
+  <p:timing>
+    <p:tnLst>
+      <p:par>
+        <p:cTn xmlns:p14="http://schemas.microsoft.com/office/powerpoint/2010/main" id="1" dur="indefinite" restart="never" nodeType="tmRoot"/>
+      </p:par>
+    </p:tnLst>
+  </p:timing>
+</p:sld>
+</file>
+
+<file path=ppt/slides/slide23.xml><?xml version="1.0" encoding="utf-8"?>
+<p:sld xmlns:a="http://schemas.openxmlformats.org/drawingml/2006/main" xmlns:r="http://schemas.openxmlformats.org/officeDocument/2006/relationships" xmlns:p="http://schemas.openxmlformats.org/presentationml/2006/main">
+  <p:cSld>
+    <p:spTree>
+      <p:nvGrpSpPr>
+        <p:cNvPr id="1" name=""/>
+        <p:cNvGrpSpPr/>
+        <p:nvPr/>
+      </p:nvGrpSpPr>
+      <p:grpSpPr>
+        <a:xfrm>
+          <a:off x="0" y="0"/>
+          <a:ext cx="0" cy="0"/>
+          <a:chOff x="0" y="0"/>
+          <a:chExt cx="0" cy="0"/>
+        </a:xfrm>
+      </p:grpSpPr>
+      <p:sp>
+        <p:nvSpPr>
+          <p:cNvPr id="3" name="Title 2"/>
+          <p:cNvSpPr>
+            <a:spLocks noGrp="1"/>
+          </p:cNvSpPr>
+          <p:nvPr>
+            <p:ph type="title"/>
+          </p:nvPr>
+        </p:nvSpPr>
+        <p:spPr/>
+        <p:txBody>
+          <a:bodyPr/>
+          <a:lstStyle/>
+          <a:p>
+            <a:r>
+              <a:rPr lang="en-US" dirty="0" smtClean="0"/>
+              <a:t>Pre-game Entry Per Game</a:t>
+            </a:r>
+            <a:endParaRPr lang="en-US" dirty="0"/>
+          </a:p>
+        </p:txBody>
+      </p:sp>
+      <p:pic>
+        <p:nvPicPr>
+          <p:cNvPr id="12" name="Content Placeholder 11"/>
+          <p:cNvPicPr>
+            <a:picLocks noGrp="1" noChangeAspect="1"/>
+          </p:cNvPicPr>
+          <p:nvPr>
+            <p:ph idx="1"/>
+          </p:nvPr>
+        </p:nvPicPr>
+        <p:blipFill>
+          <a:blip r:embed="rId2">
+            <a:extLst>
+              <a:ext uri="{28A0092B-C50C-407E-A947-70E740481C1C}">
+                <a14:useLocalDpi xmlns:a14="http://schemas.microsoft.com/office/drawing/2010/main" val="0"/>
+              </a:ext>
+            </a:extLst>
+          </a:blip>
+          <a:stretch>
+            <a:fillRect/>
+          </a:stretch>
+        </p:blipFill>
+        <p:spPr>
+          <a:xfrm>
+            <a:off x="541926" y="2540000"/>
+            <a:ext cx="8297334" cy="4148667"/>
+          </a:xfrm>
+        </p:spPr>
+      </p:pic>
+    </p:spTree>
+    <p:extLst>
+      <p:ext uri="{BB962C8B-B14F-4D97-AF65-F5344CB8AC3E}">
+        <p14:creationId xmlns:p14="http://schemas.microsoft.com/office/powerpoint/2010/main" val="2131519622"/>
+      </p:ext>
+    </p:extLst>
+  </p:cSld>
+  <p:clrMapOvr>
+    <a:masterClrMapping/>
+  </p:clrMapOvr>
+  <p:timing>
+    <p:tnLst>
+      <p:par>
+        <p:cTn xmlns:p14="http://schemas.microsoft.com/office/powerpoint/2010/main" id="1" dur="indefinite" restart="never" nodeType="tmRoot"/>
+      </p:par>
+    </p:tnLst>
+  </p:timing>
+</p:sld>
+</file>
+
+<file path=ppt/slides/slide24.xml><?xml version="1.0" encoding="utf-8"?>
+<p:sld xmlns:a="http://schemas.openxmlformats.org/drawingml/2006/main" xmlns:r="http://schemas.openxmlformats.org/officeDocument/2006/relationships" xmlns:p="http://schemas.openxmlformats.org/presentationml/2006/main">
+  <p:cSld>
+    <p:spTree>
+      <p:nvGrpSpPr>
+        <p:cNvPr id="1" name=""/>
+        <p:cNvGrpSpPr/>
+        <p:nvPr/>
+      </p:nvGrpSpPr>
+      <p:grpSpPr>
+        <a:xfrm>
+          <a:off x="0" y="0"/>
+          <a:ext cx="0" cy="0"/>
+          <a:chOff x="0" y="0"/>
+          <a:chExt cx="0" cy="0"/>
+        </a:xfrm>
+      </p:grpSpPr>
+      <p:sp>
+        <p:nvSpPr>
+          <p:cNvPr id="2" name="Content Placeholder 1"/>
+          <p:cNvSpPr>
+            <a:spLocks noGrp="1"/>
+          </p:cNvSpPr>
+          <p:nvPr>
+            <p:ph idx="1"/>
+          </p:nvPr>
+        </p:nvSpPr>
+        <p:spPr>
+          <a:xfrm>
+            <a:off x="872067" y="2675467"/>
+            <a:ext cx="7408333" cy="4064000"/>
+          </a:xfrm>
+        </p:spPr>
+        <p:txBody>
+          <a:bodyPr/>
+          <a:lstStyle/>
+          <a:p>
+            <a:r>
+              <a:rPr lang="en-US" b="1" dirty="0"/>
+              <a:t>Bruins</a:t>
+            </a:r>
+            <a:r>
+              <a:rPr lang="en-US" dirty="0"/>
+              <a:t>: largely core stations, northern Orange Line (Oak Grove, Wellington), ends of Red Line (Alewife, Braintree)</a:t>
+            </a:r>
+            <a:r>
+              <a:rPr lang="en-US" dirty="0" smtClean="0"/>
+              <a:t>.</a:t>
+            </a:r>
+          </a:p>
+          <a:p>
+            <a:endParaRPr lang="en-US" dirty="0"/>
+          </a:p>
+          <a:p>
+            <a:r>
+              <a:rPr lang="en-US" b="1" dirty="0"/>
+              <a:t>Celtics</a:t>
+            </a:r>
+            <a:r>
+              <a:rPr lang="en-US" dirty="0"/>
+              <a:t>: primarily core stations, more southern Orange Line (</a:t>
+            </a:r>
+            <a:r>
+              <a:rPr lang="en-US" dirty="0" err="1"/>
+              <a:t>Ruggles</a:t>
+            </a:r>
+            <a:r>
+              <a:rPr lang="en-US" dirty="0"/>
+              <a:t>, Back Bay)</a:t>
+            </a:r>
+            <a:r>
+              <a:rPr lang="en-US" dirty="0" smtClean="0"/>
+              <a:t>.</a:t>
+            </a:r>
+          </a:p>
+          <a:p>
+            <a:endParaRPr lang="en-US" dirty="0"/>
+          </a:p>
+          <a:p>
+            <a:r>
+              <a:rPr lang="en-US" b="1" dirty="0"/>
+              <a:t>Red Sox:</a:t>
+            </a:r>
+            <a:r>
+              <a:rPr lang="en-US" dirty="0"/>
+              <a:t> heavy outer station traffic at Riverside, Alewife, Braintree, Wonderland, </a:t>
+            </a:r>
+            <a:r>
+              <a:rPr lang="en-US" dirty="0" err="1"/>
+              <a:t>etc</a:t>
+            </a:r>
+            <a:endParaRPr lang="en-US" dirty="0"/>
+          </a:p>
+        </p:txBody>
+      </p:sp>
+      <p:sp>
+        <p:nvSpPr>
+          <p:cNvPr id="3" name="Title 2"/>
+          <p:cNvSpPr>
+            <a:spLocks noGrp="1"/>
+          </p:cNvSpPr>
+          <p:nvPr>
+            <p:ph type="title"/>
+          </p:nvPr>
+        </p:nvSpPr>
+        <p:spPr/>
+        <p:txBody>
+          <a:bodyPr>
+            <a:normAutofit/>
+          </a:bodyPr>
+          <a:lstStyle/>
+          <a:p>
+            <a:r>
+              <a:rPr lang="en-US" dirty="0" smtClean="0"/>
+              <a:t>Pre-game Lift per Team</a:t>
+            </a:r>
+            <a:endParaRPr lang="en-US" dirty="0"/>
+          </a:p>
+        </p:txBody>
+      </p:sp>
+    </p:spTree>
+    <p:extLst>
+      <p:ext uri="{BB962C8B-B14F-4D97-AF65-F5344CB8AC3E}">
+        <p14:creationId xmlns:p14="http://schemas.microsoft.com/office/powerpoint/2010/main" val="1989872876"/>
+      </p:ext>
+    </p:extLst>
+  </p:cSld>
+  <p:clrMapOvr>
+    <a:masterClrMapping/>
+  </p:clrMapOvr>
+</p:sld>
+</file>
+
+<file path=ppt/slides/slide25.xml><?xml version="1.0" encoding="utf-8"?>
+<p:sld xmlns:a="http://schemas.openxmlformats.org/drawingml/2006/main" xmlns:r="http://schemas.openxmlformats.org/officeDocument/2006/relationships" xmlns:p="http://schemas.openxmlformats.org/presentationml/2006/main">
+  <p:cSld>
+    <p:spTree>
+      <p:nvGrpSpPr>
+        <p:cNvPr id="1" name=""/>
+        <p:cNvGrpSpPr/>
+        <p:nvPr/>
+      </p:nvGrpSpPr>
+      <p:grpSpPr>
+        <a:xfrm>
+          <a:off x="0" y="0"/>
+          <a:ext cx="0" cy="0"/>
+          <a:chOff x="0" y="0"/>
+          <a:chExt cx="0" cy="0"/>
+        </a:xfrm>
+      </p:grpSpPr>
+      <p:sp>
+        <p:nvSpPr>
+          <p:cNvPr id="3" name="Title 2"/>
+          <p:cNvSpPr>
+            <a:spLocks noGrp="1"/>
+          </p:cNvSpPr>
+          <p:nvPr>
+            <p:ph type="title"/>
+          </p:nvPr>
+        </p:nvSpPr>
+        <p:spPr/>
+        <p:txBody>
+          <a:bodyPr/>
+          <a:lstStyle/>
+          <a:p>
+            <a:r>
+              <a:rPr lang="en-US" dirty="0" smtClean="0"/>
+              <a:t>Post-game Station Trends</a:t>
+            </a:r>
+            <a:endParaRPr lang="en-US" dirty="0"/>
+          </a:p>
+        </p:txBody>
+      </p:sp>
+      <p:pic>
+        <p:nvPicPr>
+          <p:cNvPr id="12" name="Content Placeholder 11"/>
+          <p:cNvPicPr>
+            <a:picLocks noGrp="1" noChangeAspect="1"/>
+          </p:cNvPicPr>
+          <p:nvPr>
+            <p:ph idx="1"/>
+          </p:nvPr>
+        </p:nvPicPr>
+        <p:blipFill>
+          <a:blip r:embed="rId2">
+            <a:extLst>
+              <a:ext uri="{28A0092B-C50C-407E-A947-70E740481C1C}">
+                <a14:useLocalDpi xmlns:a14="http://schemas.microsoft.com/office/drawing/2010/main" val="0"/>
+              </a:ext>
+            </a:extLst>
+          </a:blip>
+          <a:stretch>
+            <a:fillRect/>
+          </a:stretch>
+        </p:blipFill>
+        <p:spPr>
+          <a:xfrm>
+            <a:off x="541926" y="2540000"/>
+            <a:ext cx="8297334" cy="4148667"/>
+          </a:xfrm>
+        </p:spPr>
+      </p:pic>
+    </p:spTree>
+    <p:extLst>
+      <p:ext uri="{BB962C8B-B14F-4D97-AF65-F5344CB8AC3E}">
+        <p14:creationId xmlns:p14="http://schemas.microsoft.com/office/powerpoint/2010/main" val="1413406868"/>
+      </p:ext>
+    </p:extLst>
+  </p:cSld>
+  <p:clrMapOvr>
+    <a:masterClrMapping/>
+  </p:clrMapOvr>
+  <p:timing>
+    <p:tnLst>
+      <p:par>
+        <p:cTn xmlns:p14="http://schemas.microsoft.com/office/powerpoint/2010/main" id="1" dur="indefinite" restart="never" nodeType="tmRoot"/>
+      </p:par>
+    </p:tnLst>
+  </p:timing>
+</p:sld>
+</file>
+
+<file path=ppt/slides/slide26.xml><?xml version="1.0" encoding="utf-8"?>
 <p:sld xmlns:a="http://schemas.openxmlformats.org/drawingml/2006/main" xmlns:r="http://schemas.openxmlformats.org/officeDocument/2006/relationships" xmlns:p="http://schemas.openxmlformats.org/presentationml/2006/main">
   <p:cSld>
     <p:spTree>
@@ -16253,7 +18039,7 @@
 </p:sld>
 </file>
 
-<file path=ppt/slides/slide14.xml><?xml version="1.0" encoding="utf-8"?>
+<file path=ppt/slides/slide27.xml><?xml version="1.0" encoding="utf-8"?>
 <p:sld xmlns:a="http://schemas.openxmlformats.org/drawingml/2006/main" xmlns:r="http://schemas.openxmlformats.org/officeDocument/2006/relationships" xmlns:p="http://schemas.openxmlformats.org/presentationml/2006/main">
   <p:cSld>
     <p:spTree>
@@ -16580,24 +18366,16 @@
           <a:p>
             <a:r>
               <a:rPr lang="en-US" dirty="0" smtClean="0"/>
-              <a:t>Integrate Exit </a:t>
+              <a:t>Integrate Exit Data</a:t>
             </a:r>
+          </a:p>
+          <a:p>
+            <a:endParaRPr lang="en-US" dirty="0"/>
+          </a:p>
+          <a:p>
             <a:r>
               <a:rPr lang="en-US" dirty="0" smtClean="0"/>
-              <a:t>Data</a:t>
-            </a:r>
-          </a:p>
-          <a:p>
-            <a:endParaRPr lang="en-US" dirty="0"/>
-          </a:p>
-          <a:p>
-            <a:r>
-              <a:rPr lang="en-US" dirty="0" smtClean="0"/>
-              <a:t>Real</a:t>
-            </a:r>
-            <a:r>
-              <a:rPr lang="en-US" dirty="0" smtClean="0"/>
-              <a:t>-time Systems</a:t>
+              <a:t>Real-time Systems</a:t>
             </a:r>
             <a:endParaRPr lang="en-US" dirty="0"/>
           </a:p>
@@ -16623,7 +18401,7 @@
 </p:sld>
 </file>
 
-<file path=ppt/slides/slide15.xml><?xml version="1.0" encoding="utf-8"?>
+<file path=ppt/slides/slide28.xml><?xml version="1.0" encoding="utf-8"?>
 <p:sld xmlns:a="http://schemas.openxmlformats.org/drawingml/2006/main" xmlns:r="http://schemas.openxmlformats.org/officeDocument/2006/relationships" xmlns:p="http://schemas.openxmlformats.org/presentationml/2006/main">
   <p:cSld>
     <p:spTree>
@@ -17934,154 +19712,6 @@
 </p:sld>
 </file>
 
-<file path=ppt/slides/slide2.xml><?xml version="1.0" encoding="utf-8"?>
-<p:sld xmlns:a="http://schemas.openxmlformats.org/drawingml/2006/main" xmlns:r="http://schemas.openxmlformats.org/officeDocument/2006/relationships" xmlns:p="http://schemas.openxmlformats.org/presentationml/2006/main">
-  <p:cSld>
-    <p:spTree>
-      <p:nvGrpSpPr>
-        <p:cNvPr id="1" name=""/>
-        <p:cNvGrpSpPr/>
-        <p:nvPr/>
-      </p:nvGrpSpPr>
-      <p:grpSpPr>
-        <a:xfrm>
-          <a:off x="0" y="0"/>
-          <a:ext cx="0" cy="0"/>
-          <a:chOff x="0" y="0"/>
-          <a:chExt cx="0" cy="0"/>
-        </a:xfrm>
-      </p:grpSpPr>
-      <p:sp>
-        <p:nvSpPr>
-          <p:cNvPr id="3" name="Title 2"/>
-          <p:cNvSpPr>
-            <a:spLocks noGrp="1"/>
-          </p:cNvSpPr>
-          <p:nvPr>
-            <p:ph type="title"/>
-          </p:nvPr>
-        </p:nvSpPr>
-        <p:spPr/>
-        <p:txBody>
-          <a:bodyPr/>
-          <a:lstStyle/>
-          <a:p>
-            <a:r>
-              <a:rPr lang="en-US" dirty="0" smtClean="0"/>
-              <a:t>Overview</a:t>
-            </a:r>
-            <a:endParaRPr lang="en-US" dirty="0"/>
-          </a:p>
-        </p:txBody>
-      </p:sp>
-      <p:pic>
-        <p:nvPicPr>
-          <p:cNvPr id="4" name="Picture 3" descr="big-data.jpg"/>
-          <p:cNvPicPr>
-            <a:picLocks noChangeAspect="1"/>
-          </p:cNvPicPr>
-          <p:nvPr/>
-        </p:nvPicPr>
-        <p:blipFill>
-          <a:blip r:embed="rId3">
-            <a:extLst>
-              <a:ext uri="{28A0092B-C50C-407E-A947-70E740481C1C}">
-                <a14:useLocalDpi xmlns:a14="http://schemas.microsoft.com/office/drawing/2010/main" val="0"/>
-              </a:ext>
-            </a:extLst>
-          </a:blip>
-          <a:stretch>
-            <a:fillRect/>
-          </a:stretch>
-        </p:blipFill>
-        <p:spPr>
-          <a:xfrm>
-            <a:off x="5065757" y="3065521"/>
-            <a:ext cx="3810000" cy="2603500"/>
-          </a:xfrm>
-          <a:prstGeom prst="rect">
-            <a:avLst/>
-          </a:prstGeom>
-        </p:spPr>
-      </p:pic>
-      <p:sp>
-        <p:nvSpPr>
-          <p:cNvPr id="8" name="Content Placeholder 1"/>
-          <p:cNvSpPr>
-            <a:spLocks noGrp="1"/>
-          </p:cNvSpPr>
-          <p:nvPr>
-            <p:ph idx="1"/>
-          </p:nvPr>
-        </p:nvSpPr>
-        <p:spPr>
-          <a:xfrm>
-            <a:off x="457200" y="3563740"/>
-            <a:ext cx="7408333" cy="2024657"/>
-          </a:xfrm>
-        </p:spPr>
-        <p:txBody>
-          <a:bodyPr>
-            <a:normAutofit/>
-          </a:bodyPr>
-          <a:lstStyle/>
-          <a:p>
-            <a:r>
-              <a:rPr lang="en-US" dirty="0" smtClean="0">
-                <a:solidFill>
-                  <a:schemeClr val="tx1"/>
-                </a:solidFill>
-              </a:rPr>
-              <a:t>Public Transit Agencies</a:t>
-            </a:r>
-          </a:p>
-          <a:p>
-            <a:endParaRPr lang="en-US" dirty="0" smtClean="0">
-              <a:solidFill>
-                <a:schemeClr val="tx1"/>
-              </a:solidFill>
-            </a:endParaRPr>
-          </a:p>
-          <a:p>
-            <a:endParaRPr lang="en-US" dirty="0" smtClean="0">
-              <a:solidFill>
-                <a:schemeClr val="tx1"/>
-              </a:solidFill>
-            </a:endParaRPr>
-          </a:p>
-          <a:p>
-            <a:r>
-              <a:rPr lang="en-US" dirty="0" smtClean="0">
-                <a:solidFill>
-                  <a:schemeClr val="tx1"/>
-                </a:solidFill>
-              </a:rPr>
-              <a:t>Transportation Data</a:t>
-            </a:r>
-            <a:endParaRPr lang="en-US" dirty="0"/>
-          </a:p>
-        </p:txBody>
-      </p:sp>
-    </p:spTree>
-    <p:extLst>
-      <p:ext uri="{BB962C8B-B14F-4D97-AF65-F5344CB8AC3E}">
-        <p14:creationId xmlns:p14="http://schemas.microsoft.com/office/powerpoint/2010/main" val="2323555005"/>
-      </p:ext>
-    </p:extLst>
-  </p:cSld>
-  <p:clrMapOvr>
-    <a:masterClrMapping/>
-  </p:clrMapOvr>
-  <p:timing>
-    <p:tnLst>
-      <p:par>
-        <p:cTn xmlns:p14="http://schemas.microsoft.com/office/powerpoint/2010/main" id="1" dur="indefinite" restart="never" nodeType="tmRoot"/>
-      </p:par>
-    </p:tnLst>
-  </p:timing>
-</p:sld>
-</file>
-
 <file path=ppt/slides/slide3.xml><?xml version="1.0" encoding="utf-8"?>
 <p:sld xmlns:a="http://schemas.openxmlformats.org/drawingml/2006/main" xmlns:r="http://schemas.openxmlformats.org/officeDocument/2006/relationships" xmlns:p="http://schemas.openxmlformats.org/presentationml/2006/main">
   <p:cSld>
@@ -18144,15 +19774,7 @@
                   <a:schemeClr val="tx1"/>
                 </a:solidFill>
               </a:rPr>
-              <a:t>MBTA’s </a:t>
-            </a:r>
-            <a:r>
-              <a:rPr lang="en-US" dirty="0" smtClean="0">
-                <a:solidFill>
-                  <a:schemeClr val="tx1"/>
-                </a:solidFill>
-              </a:rPr>
-              <a:t>Fare Collection System</a:t>
+              <a:t>MBTA’s Fare Collection System</a:t>
             </a:r>
           </a:p>
           <a:p>
@@ -18211,15 +19833,7 @@
           <a:p>
             <a:r>
               <a:rPr lang="en-US" dirty="0" smtClean="0"/>
-              <a:t>Harvard </a:t>
-            </a:r>
-            <a:r>
-              <a:rPr lang="en-US" smtClean="0"/>
-              <a:t>and the </a:t>
-            </a:r>
-            <a:r>
-              <a:rPr lang="en-US" smtClean="0"/>
-              <a:t>MBTA</a:t>
+              <a:t>Harvard and the MBTA</a:t>
             </a:r>
             <a:endParaRPr lang="en-US" dirty="0"/>
           </a:p>
@@ -19520,25 +21134,48 @@
             <p:ph idx="1"/>
           </p:nvPr>
         </p:nvSpPr>
-        <p:spPr/>
+        <p:spPr>
+          <a:xfrm>
+            <a:off x="872067" y="2675467"/>
+            <a:ext cx="7408333" cy="4064000"/>
+          </a:xfrm>
+        </p:spPr>
         <p:txBody>
           <a:bodyPr/>
           <a:lstStyle/>
           <a:p>
+            <a:pPr marL="0" indent="0">
+              <a:buNone/>
+            </a:pPr>
+            <a:endParaRPr lang="en-US" dirty="0" smtClean="0"/>
+          </a:p>
+          <a:p>
+            <a:pPr marL="0" indent="0">
+              <a:buNone/>
+            </a:pPr>
+            <a:endParaRPr lang="en-US" dirty="0" smtClean="0"/>
+          </a:p>
+          <a:p>
             <a:r>
-              <a:rPr lang="en-US" dirty="0"/>
-              <a:t>linear model, historical benchmark(86%) which predictors we decided on, which stations improved the most, </a:t>
+              <a:rPr lang="en-US" dirty="0" smtClean="0"/>
+              <a:t>Finds similar station based on </a:t>
             </a:r>
             <a:r>
-              <a:rPr lang="en-US"/>
-              <a:t>final </a:t>
+              <a:rPr lang="en-US" b="1" dirty="0" smtClean="0"/>
+              <a:t>ridership</a:t>
             </a:r>
+          </a:p>
+          <a:p>
+            <a:pPr marL="0" indent="0">
+              <a:buNone/>
+            </a:pPr>
+            <a:endParaRPr lang="en-US" dirty="0"/>
+          </a:p>
+          <a:p>
             <a:r>
-              <a:rPr lang="en-US" smtClean="0"/>
-              <a:t>accuracy</a:t>
+              <a:rPr lang="en-US" dirty="0" smtClean="0"/>
+              <a:t>Improve survey process</a:t>
             </a:r>
-          </a:p>
-          <a:p>
             <a:endParaRPr lang="en-US" dirty="0"/>
           </a:p>
         </p:txBody>
@@ -19560,16 +21197,46 @@
           <a:p>
             <a:r>
               <a:rPr lang="en-US" dirty="0" smtClean="0"/>
-              <a:t>Prediction Features</a:t>
+              <a:t>Similar Stations</a:t>
             </a:r>
             <a:endParaRPr lang="en-US" dirty="0"/>
           </a:p>
         </p:txBody>
       </p:sp>
+      <p:pic>
+        <p:nvPicPr>
+          <p:cNvPr id="5" name="Picture 4" descr="correlation.png"/>
+          <p:cNvPicPr>
+            <a:picLocks noChangeAspect="1"/>
+          </p:cNvPicPr>
+          <p:nvPr/>
+        </p:nvPicPr>
+        <p:blipFill>
+          <a:blip r:embed="rId2">
+            <a:extLst>
+              <a:ext uri="{28A0092B-C50C-407E-A947-70E740481C1C}">
+                <a14:useLocalDpi xmlns:a14="http://schemas.microsoft.com/office/drawing/2010/main" val="0"/>
+              </a:ext>
+            </a:extLst>
+          </a:blip>
+          <a:stretch>
+            <a:fillRect/>
+          </a:stretch>
+        </p:blipFill>
+        <p:spPr>
+          <a:xfrm>
+            <a:off x="6934200" y="3606800"/>
+            <a:ext cx="1346200" cy="1358900"/>
+          </a:xfrm>
+          <a:prstGeom prst="rect">
+            <a:avLst/>
+          </a:prstGeom>
+        </p:spPr>
+      </p:pic>
     </p:spTree>
     <p:extLst>
       <p:ext uri="{BB962C8B-B14F-4D97-AF65-F5344CB8AC3E}">
-        <p14:creationId xmlns:p14="http://schemas.microsoft.com/office/powerpoint/2010/main" val="2875009447"/>
+        <p14:creationId xmlns:p14="http://schemas.microsoft.com/office/powerpoint/2010/main" val="1960561944"/>
       </p:ext>
     </p:extLst>
   </p:cSld>

--- a/docs/presentations/executive/mbta-capstone_executive.pptx
+++ b/docs/presentations/executive/mbta-capstone_executive.pptx
@@ -5,7 +5,7 @@
     <p:sldMasterId id="2147483744" r:id="rId1"/>
   </p:sldMasterIdLst>
   <p:notesMasterIdLst>
-    <p:notesMasterId r:id="rId30"/>
+    <p:notesMasterId r:id="rId29"/>
   </p:notesMasterIdLst>
   <p:sldIdLst>
     <p:sldId id="256" r:id="rId2"/>
@@ -16,26 +16,25 @@
     <p:sldId id="265" r:id="rId7"/>
     <p:sldId id="274" r:id="rId8"/>
     <p:sldId id="275" r:id="rId9"/>
-    <p:sldId id="291" r:id="rId10"/>
-    <p:sldId id="289" r:id="rId11"/>
-    <p:sldId id="290" r:id="rId12"/>
-    <p:sldId id="282" r:id="rId13"/>
-    <p:sldId id="284" r:id="rId14"/>
-    <p:sldId id="285" r:id="rId15"/>
-    <p:sldId id="294" r:id="rId16"/>
-    <p:sldId id="279" r:id="rId17"/>
-    <p:sldId id="280" r:id="rId18"/>
-    <p:sldId id="295" r:id="rId19"/>
-    <p:sldId id="276" r:id="rId20"/>
-    <p:sldId id="277" r:id="rId21"/>
-    <p:sldId id="293" r:id="rId22"/>
-    <p:sldId id="286" r:id="rId23"/>
-    <p:sldId id="287" r:id="rId24"/>
-    <p:sldId id="296" r:id="rId25"/>
-    <p:sldId id="288" r:id="rId26"/>
-    <p:sldId id="278" r:id="rId27"/>
-    <p:sldId id="272" r:id="rId28"/>
-    <p:sldId id="267" r:id="rId29"/>
+    <p:sldId id="289" r:id="rId10"/>
+    <p:sldId id="290" r:id="rId11"/>
+    <p:sldId id="282" r:id="rId12"/>
+    <p:sldId id="284" r:id="rId13"/>
+    <p:sldId id="285" r:id="rId14"/>
+    <p:sldId id="294" r:id="rId15"/>
+    <p:sldId id="279" r:id="rId16"/>
+    <p:sldId id="280" r:id="rId17"/>
+    <p:sldId id="295" r:id="rId18"/>
+    <p:sldId id="276" r:id="rId19"/>
+    <p:sldId id="277" r:id="rId20"/>
+    <p:sldId id="293" r:id="rId21"/>
+    <p:sldId id="286" r:id="rId22"/>
+    <p:sldId id="287" r:id="rId23"/>
+    <p:sldId id="296" r:id="rId24"/>
+    <p:sldId id="288" r:id="rId25"/>
+    <p:sldId id="278" r:id="rId26"/>
+    <p:sldId id="272" r:id="rId27"/>
+    <p:sldId id="267" r:id="rId28"/>
   </p:sldIdLst>
   <p:sldSz cx="9144000" cy="6858000" type="screen4x3"/>
   <p:notesSz cx="6858000" cy="9144000"/>
@@ -15835,84 +15834,6 @@
       </p:grpSpPr>
       <p:pic>
         <p:nvPicPr>
-          <p:cNvPr id="4" name="Content Placeholder 3" descr="Screen Shot 2015-05-13 at 7.31.04 PM.png"/>
-          <p:cNvPicPr>
-            <a:picLocks noGrp="1" noChangeAspect="1"/>
-          </p:cNvPicPr>
-          <p:nvPr>
-            <p:ph idx="1"/>
-          </p:nvPr>
-        </p:nvPicPr>
-        <p:blipFill>
-          <a:blip r:embed="rId2">
-            <a:extLst>
-              <a:ext uri="{28A0092B-C50C-407E-A947-70E740481C1C}">
-                <a14:useLocalDpi xmlns:a14="http://schemas.microsoft.com/office/drawing/2010/main" val="0"/>
-              </a:ext>
-            </a:extLst>
-          </a:blip>
-          <a:srcRect l="-16684" r="-16684"/>
-          <a:stretch>
-            <a:fillRect/>
-          </a:stretch>
-        </p:blipFill>
-        <p:spPr/>
-      </p:pic>
-      <p:sp>
-        <p:nvSpPr>
-          <p:cNvPr id="3" name="Title 2"/>
-          <p:cNvSpPr>
-            <a:spLocks noGrp="1"/>
-          </p:cNvSpPr>
-          <p:nvPr>
-            <p:ph type="title"/>
-          </p:nvPr>
-        </p:nvSpPr>
-        <p:spPr/>
-        <p:txBody>
-          <a:bodyPr/>
-          <a:lstStyle/>
-          <a:p>
-            <a:r>
-              <a:rPr lang="en-US" dirty="0" smtClean="0"/>
-              <a:t>Oak Grove Ridership</a:t>
-            </a:r>
-            <a:endParaRPr lang="en-US" dirty="0"/>
-          </a:p>
-        </p:txBody>
-      </p:sp>
-    </p:spTree>
-    <p:extLst>
-      <p:ext uri="{BB962C8B-B14F-4D97-AF65-F5344CB8AC3E}">
-        <p14:creationId xmlns:p14="http://schemas.microsoft.com/office/powerpoint/2010/main" val="500265644"/>
-      </p:ext>
-    </p:extLst>
-  </p:cSld>
-  <p:clrMapOvr>
-    <a:masterClrMapping/>
-  </p:clrMapOvr>
-</p:sld>
-</file>
-
-<file path=ppt/slides/slide11.xml><?xml version="1.0" encoding="utf-8"?>
-<p:sld xmlns:a="http://schemas.openxmlformats.org/drawingml/2006/main" xmlns:r="http://schemas.openxmlformats.org/officeDocument/2006/relationships" xmlns:p="http://schemas.openxmlformats.org/presentationml/2006/main">
-  <p:cSld>
-    <p:spTree>
-      <p:nvGrpSpPr>
-        <p:cNvPr id="1" name=""/>
-        <p:cNvGrpSpPr/>
-        <p:nvPr/>
-      </p:nvGrpSpPr>
-      <p:grpSpPr>
-        <a:xfrm>
-          <a:off x="0" y="0"/>
-          <a:ext cx="0" cy="0"/>
-          <a:chOff x="0" y="0"/>
-          <a:chExt cx="0" cy="0"/>
-        </a:xfrm>
-      </p:grpSpPr>
-      <p:pic>
-        <p:nvPicPr>
           <p:cNvPr id="4" name="Content Placeholder 3"/>
           <p:cNvPicPr>
             <a:picLocks noGrp="1" noChangeAspect="1"/>
@@ -15976,7 +15897,7 @@
 </p:sld>
 </file>
 
-<file path=ppt/slides/slide12.xml><?xml version="1.0" encoding="utf-8"?>
+<file path=ppt/slides/slide11.xml><?xml version="1.0" encoding="utf-8"?>
 <p:sld xmlns:a="http://schemas.openxmlformats.org/drawingml/2006/main" xmlns:r="http://schemas.openxmlformats.org/officeDocument/2006/relationships" xmlns:p="http://schemas.openxmlformats.org/presentationml/2006/main">
   <p:cSld>
     <p:spTree>
@@ -16066,7 +15987,7 @@
 </p:sld>
 </file>
 
-<file path=ppt/slides/slide13.xml><?xml version="1.0" encoding="utf-8"?>
+<file path=ppt/slides/slide12.xml><?xml version="1.0" encoding="utf-8"?>
 <p:sld xmlns:a="http://schemas.openxmlformats.org/drawingml/2006/main" xmlns:r="http://schemas.openxmlformats.org/officeDocument/2006/relationships" xmlns:p="http://schemas.openxmlformats.org/presentationml/2006/main">
   <p:cSld>
     <p:spTree>
@@ -16156,7 +16077,7 @@
 </p:sld>
 </file>
 
-<file path=ppt/slides/slide14.xml><?xml version="1.0" encoding="utf-8"?>
+<file path=ppt/slides/slide13.xml><?xml version="1.0" encoding="utf-8"?>
 <p:sld xmlns:a="http://schemas.openxmlformats.org/drawingml/2006/main" xmlns:r="http://schemas.openxmlformats.org/officeDocument/2006/relationships" xmlns:p="http://schemas.openxmlformats.org/presentationml/2006/main">
   <p:cSld>
     <p:spTree>
@@ -16246,7 +16167,7 @@
 </p:sld>
 </file>
 
-<file path=ppt/slides/slide15.xml><?xml version="1.0" encoding="utf-8"?>
+<file path=ppt/slides/slide14.xml><?xml version="1.0" encoding="utf-8"?>
 <p:sld xmlns:a="http://schemas.openxmlformats.org/drawingml/2006/main" xmlns:r="http://schemas.openxmlformats.org/officeDocument/2006/relationships" xmlns:p="http://schemas.openxmlformats.org/presentationml/2006/main">
   <p:cSld>
     <p:spTree>
@@ -16386,7 +16307,7 @@
 </p:sld>
 </file>
 
-<file path=ppt/slides/slide16.xml><?xml version="1.0" encoding="utf-8"?>
+<file path=ppt/slides/slide15.xml><?xml version="1.0" encoding="utf-8"?>
 <p:sld xmlns:a="http://schemas.openxmlformats.org/drawingml/2006/main" xmlns:r="http://schemas.openxmlformats.org/officeDocument/2006/relationships" xmlns:p="http://schemas.openxmlformats.org/presentationml/2006/main">
   <p:cSld>
     <p:spTree>
@@ -16509,7 +16430,7 @@
 </p:sld>
 </file>
 
-<file path=ppt/slides/slide17.xml><?xml version="1.0" encoding="utf-8"?>
+<file path=ppt/slides/slide16.xml><?xml version="1.0" encoding="utf-8"?>
 <p:sld xmlns:a="http://schemas.openxmlformats.org/drawingml/2006/main" xmlns:r="http://schemas.openxmlformats.org/officeDocument/2006/relationships" xmlns:p="http://schemas.openxmlformats.org/presentationml/2006/main">
   <p:cSld>
     <p:spTree>
@@ -16823,7 +16744,7 @@
 </p:sld>
 </file>
 
-<file path=ppt/slides/slide18.xml><?xml version="1.0" encoding="utf-8"?>
+<file path=ppt/slides/slide17.xml><?xml version="1.0" encoding="utf-8"?>
 <p:sld xmlns:a="http://schemas.openxmlformats.org/drawingml/2006/main" xmlns:r="http://schemas.openxmlformats.org/officeDocument/2006/relationships" xmlns:p="http://schemas.openxmlformats.org/presentationml/2006/main">
   <p:cSld>
     <p:spTree>
@@ -16967,7 +16888,7 @@
 </p:sld>
 </file>
 
-<file path=ppt/slides/slide19.xml><?xml version="1.0" encoding="utf-8"?>
+<file path=ppt/slides/slide18.xml><?xml version="1.0" encoding="utf-8"?>
 <p:sld xmlns:a="http://schemas.openxmlformats.org/drawingml/2006/main" xmlns:r="http://schemas.openxmlformats.org/officeDocument/2006/relationships" xmlns:p="http://schemas.openxmlformats.org/presentationml/2006/main">
   <p:cSld>
     <p:spTree>
@@ -17041,6 +16962,144 @@
     <p:extLst>
       <p:ext uri="{BB962C8B-B14F-4D97-AF65-F5344CB8AC3E}">
         <p14:creationId xmlns:p14="http://schemas.microsoft.com/office/powerpoint/2010/main" val="1908534129"/>
+      </p:ext>
+    </p:extLst>
+  </p:cSld>
+  <p:clrMapOvr>
+    <a:masterClrMapping/>
+  </p:clrMapOvr>
+  <p:timing>
+    <p:tnLst>
+      <p:par>
+        <p:cTn xmlns:p14="http://schemas.microsoft.com/office/powerpoint/2010/main" id="1" dur="indefinite" restart="never" nodeType="tmRoot"/>
+      </p:par>
+    </p:tnLst>
+  </p:timing>
+</p:sld>
+</file>
+
+<file path=ppt/slides/slide19.xml><?xml version="1.0" encoding="utf-8"?>
+<p:sld xmlns:a="http://schemas.openxmlformats.org/drawingml/2006/main" xmlns:r="http://schemas.openxmlformats.org/officeDocument/2006/relationships" xmlns:p="http://schemas.openxmlformats.org/presentationml/2006/main">
+  <p:cSld>
+    <p:spTree>
+      <p:nvGrpSpPr>
+        <p:cNvPr id="1" name=""/>
+        <p:cNvGrpSpPr/>
+        <p:nvPr/>
+      </p:nvGrpSpPr>
+      <p:grpSpPr>
+        <a:xfrm>
+          <a:off x="0" y="0"/>
+          <a:ext cx="0" cy="0"/>
+          <a:chOff x="0" y="0"/>
+          <a:chExt cx="0" cy="0"/>
+        </a:xfrm>
+      </p:grpSpPr>
+      <p:sp>
+        <p:nvSpPr>
+          <p:cNvPr id="2" name="Content Placeholder 1"/>
+          <p:cNvSpPr>
+            <a:spLocks noGrp="1"/>
+          </p:cNvSpPr>
+          <p:nvPr>
+            <p:ph idx="1"/>
+          </p:nvPr>
+        </p:nvSpPr>
+        <p:spPr>
+          <a:xfrm>
+            <a:off x="872067" y="3556000"/>
+            <a:ext cx="7408333" cy="1524000"/>
+          </a:xfrm>
+        </p:spPr>
+        <p:txBody>
+          <a:bodyPr>
+            <a:normAutofit/>
+          </a:bodyPr>
+          <a:lstStyle/>
+          <a:p>
+            <a:pPr marL="0" indent="0" algn="ctr">
+              <a:buNone/>
+            </a:pPr>
+            <a:r>
+              <a:rPr lang="en-US" sz="5400" dirty="0"/>
+              <a:t>http://</a:t>
+            </a:r>
+            <a:r>
+              <a:rPr lang="en-US" sz="5400" dirty="0" err="1"/>
+              <a:t>goo.gl</a:t>
+            </a:r>
+            <a:r>
+              <a:rPr lang="en-US" sz="5400" dirty="0"/>
+              <a:t>/</a:t>
+            </a:r>
+            <a:r>
+              <a:rPr lang="en-US" sz="5400" dirty="0" smtClean="0"/>
+              <a:t>9F9kky</a:t>
+            </a:r>
+          </a:p>
+          <a:p>
+            <a:pPr marL="0" indent="0" algn="ctr">
+              <a:buNone/>
+            </a:pPr>
+            <a:r>
+              <a:rPr lang="en-US" sz="2000" dirty="0" smtClean="0"/>
+              <a:t>(</a:t>
+            </a:r>
+            <a:r>
+              <a:rPr lang="en-US" sz="2000" dirty="0"/>
+              <a:t>http:/</a:t>
+            </a:r>
+            <a:r>
+              <a:rPr lang="en-US" sz="2000" dirty="0" smtClean="0"/>
+              <a:t>/</a:t>
+            </a:r>
+            <a:r>
+              <a:rPr lang="en-US" sz="2000" dirty="0" err="1" smtClean="0"/>
+              <a:t>azampagl.github.io</a:t>
+            </a:r>
+            <a:r>
+              <a:rPr lang="en-US" sz="2000" dirty="0" smtClean="0"/>
+              <a:t>/</a:t>
+            </a:r>
+            <a:r>
+              <a:rPr lang="en-US" sz="2000" dirty="0" err="1" smtClean="0"/>
+              <a:t>mbta</a:t>
+            </a:r>
+            <a:r>
+              <a:rPr lang="en-US" sz="2000" dirty="0" smtClean="0"/>
+              <a:t>-weather)</a:t>
+            </a:r>
+            <a:endParaRPr lang="en-US" sz="2000" dirty="0"/>
+          </a:p>
+        </p:txBody>
+      </p:sp>
+      <p:sp>
+        <p:nvSpPr>
+          <p:cNvPr id="3" name="Title 2"/>
+          <p:cNvSpPr>
+            <a:spLocks noGrp="1"/>
+          </p:cNvSpPr>
+          <p:nvPr>
+            <p:ph type="title"/>
+          </p:nvPr>
+        </p:nvSpPr>
+        <p:spPr/>
+        <p:txBody>
+          <a:bodyPr/>
+          <a:lstStyle/>
+          <a:p>
+            <a:r>
+              <a:rPr lang="en-US" dirty="0" smtClean="0"/>
+              <a:t>Weather Visualization</a:t>
+            </a:r>
+            <a:endParaRPr lang="en-US" dirty="0"/>
+          </a:p>
+        </p:txBody>
+      </p:sp>
+    </p:spTree>
+    <p:extLst>
+      <p:ext uri="{BB962C8B-B14F-4D97-AF65-F5344CB8AC3E}">
+        <p14:creationId xmlns:p14="http://schemas.microsoft.com/office/powerpoint/2010/main" val="1750773450"/>
       </p:ext>
     </p:extLst>
   </p:cSld>
@@ -17234,144 +17293,6 @@
         </p:nvSpPr>
         <p:spPr>
           <a:xfrm>
-            <a:off x="872067" y="3556000"/>
-            <a:ext cx="7408333" cy="1524000"/>
-          </a:xfrm>
-        </p:spPr>
-        <p:txBody>
-          <a:bodyPr>
-            <a:normAutofit/>
-          </a:bodyPr>
-          <a:lstStyle/>
-          <a:p>
-            <a:pPr marL="0" indent="0" algn="ctr">
-              <a:buNone/>
-            </a:pPr>
-            <a:r>
-              <a:rPr lang="en-US" sz="5400" dirty="0"/>
-              <a:t>http://</a:t>
-            </a:r>
-            <a:r>
-              <a:rPr lang="en-US" sz="5400" dirty="0" err="1"/>
-              <a:t>goo.gl</a:t>
-            </a:r>
-            <a:r>
-              <a:rPr lang="en-US" sz="5400" dirty="0"/>
-              <a:t>/</a:t>
-            </a:r>
-            <a:r>
-              <a:rPr lang="en-US" sz="5400" dirty="0" smtClean="0"/>
-              <a:t>9F9kky</a:t>
-            </a:r>
-          </a:p>
-          <a:p>
-            <a:pPr marL="0" indent="0" algn="ctr">
-              <a:buNone/>
-            </a:pPr>
-            <a:r>
-              <a:rPr lang="en-US" sz="2000" dirty="0" smtClean="0"/>
-              <a:t>(</a:t>
-            </a:r>
-            <a:r>
-              <a:rPr lang="en-US" sz="2000" dirty="0"/>
-              <a:t>http:/</a:t>
-            </a:r>
-            <a:r>
-              <a:rPr lang="en-US" sz="2000" dirty="0" smtClean="0"/>
-              <a:t>/</a:t>
-            </a:r>
-            <a:r>
-              <a:rPr lang="en-US" sz="2000" dirty="0" err="1" smtClean="0"/>
-              <a:t>azampagl.github.io</a:t>
-            </a:r>
-            <a:r>
-              <a:rPr lang="en-US" sz="2000" dirty="0" smtClean="0"/>
-              <a:t>/</a:t>
-            </a:r>
-            <a:r>
-              <a:rPr lang="en-US" sz="2000" dirty="0" err="1" smtClean="0"/>
-              <a:t>mbta</a:t>
-            </a:r>
-            <a:r>
-              <a:rPr lang="en-US" sz="2000" dirty="0" smtClean="0"/>
-              <a:t>-weather)</a:t>
-            </a:r>
-            <a:endParaRPr lang="en-US" sz="2000" dirty="0"/>
-          </a:p>
-        </p:txBody>
-      </p:sp>
-      <p:sp>
-        <p:nvSpPr>
-          <p:cNvPr id="3" name="Title 2"/>
-          <p:cNvSpPr>
-            <a:spLocks noGrp="1"/>
-          </p:cNvSpPr>
-          <p:nvPr>
-            <p:ph type="title"/>
-          </p:nvPr>
-        </p:nvSpPr>
-        <p:spPr/>
-        <p:txBody>
-          <a:bodyPr/>
-          <a:lstStyle/>
-          <a:p>
-            <a:r>
-              <a:rPr lang="en-US" dirty="0" smtClean="0"/>
-              <a:t>Weather Visualization</a:t>
-            </a:r>
-            <a:endParaRPr lang="en-US" dirty="0"/>
-          </a:p>
-        </p:txBody>
-      </p:sp>
-    </p:spTree>
-    <p:extLst>
-      <p:ext uri="{BB962C8B-B14F-4D97-AF65-F5344CB8AC3E}">
-        <p14:creationId xmlns:p14="http://schemas.microsoft.com/office/powerpoint/2010/main" val="1750773450"/>
-      </p:ext>
-    </p:extLst>
-  </p:cSld>
-  <p:clrMapOvr>
-    <a:masterClrMapping/>
-  </p:clrMapOvr>
-  <p:timing>
-    <p:tnLst>
-      <p:par>
-        <p:cTn xmlns:p14="http://schemas.microsoft.com/office/powerpoint/2010/main" id="1" dur="indefinite" restart="never" nodeType="tmRoot"/>
-      </p:par>
-    </p:tnLst>
-  </p:timing>
-</p:sld>
-</file>
-
-<file path=ppt/slides/slide21.xml><?xml version="1.0" encoding="utf-8"?>
-<p:sld xmlns:a="http://schemas.openxmlformats.org/drawingml/2006/main" xmlns:r="http://schemas.openxmlformats.org/officeDocument/2006/relationships" xmlns:p="http://schemas.openxmlformats.org/presentationml/2006/main">
-  <p:cSld>
-    <p:spTree>
-      <p:nvGrpSpPr>
-        <p:cNvPr id="1" name=""/>
-        <p:cNvGrpSpPr/>
-        <p:nvPr/>
-      </p:nvGrpSpPr>
-      <p:grpSpPr>
-        <a:xfrm>
-          <a:off x="0" y="0"/>
-          <a:ext cx="0" cy="0"/>
-          <a:chOff x="0" y="0"/>
-          <a:chExt cx="0" cy="0"/>
-        </a:xfrm>
-      </p:grpSpPr>
-      <p:sp>
-        <p:nvSpPr>
-          <p:cNvPr id="2" name="Content Placeholder 1"/>
-          <p:cNvSpPr>
-            <a:spLocks noGrp="1"/>
-          </p:cNvSpPr>
-          <p:nvPr>
-            <p:ph idx="1"/>
-          </p:nvPr>
-        </p:nvSpPr>
-        <p:spPr>
-          <a:xfrm>
             <a:off x="872067" y="2675467"/>
             <a:ext cx="7408333" cy="4064000"/>
           </a:xfrm>
@@ -17513,7 +17434,7 @@
 </p:sld>
 </file>
 
-<file path=ppt/slides/slide22.xml><?xml version="1.0" encoding="utf-8"?>
+<file path=ppt/slides/slide21.xml><?xml version="1.0" encoding="utf-8"?>
 <p:sld xmlns:a="http://schemas.openxmlformats.org/drawingml/2006/main" xmlns:r="http://schemas.openxmlformats.org/officeDocument/2006/relationships" xmlns:p="http://schemas.openxmlformats.org/presentationml/2006/main">
   <p:cSld>
     <p:spTree>
@@ -17602,7 +17523,7 @@
 </p:sld>
 </file>
 
-<file path=ppt/slides/slide23.xml><?xml version="1.0" encoding="utf-8"?>
+<file path=ppt/slides/slide22.xml><?xml version="1.0" encoding="utf-8"?>
 <p:sld xmlns:a="http://schemas.openxmlformats.org/drawingml/2006/main" xmlns:r="http://schemas.openxmlformats.org/officeDocument/2006/relationships" xmlns:p="http://schemas.openxmlformats.org/presentationml/2006/main">
   <p:cSld>
     <p:spTree>
@@ -17691,7 +17612,7 @@
 </p:sld>
 </file>
 
-<file path=ppt/slides/slide24.xml><?xml version="1.0" encoding="utf-8"?>
+<file path=ppt/slides/slide23.xml><?xml version="1.0" encoding="utf-8"?>
 <p:sld xmlns:a="http://schemas.openxmlformats.org/drawingml/2006/main" xmlns:r="http://schemas.openxmlformats.org/officeDocument/2006/relationships" xmlns:p="http://schemas.openxmlformats.org/presentationml/2006/main">
   <p:cSld>
     <p:spTree>
@@ -17824,7 +17745,7 @@
 </p:sld>
 </file>
 
-<file path=ppt/slides/slide25.xml><?xml version="1.0" encoding="utf-8"?>
+<file path=ppt/slides/slide24.xml><?xml version="1.0" encoding="utf-8"?>
 <p:sld xmlns:a="http://schemas.openxmlformats.org/drawingml/2006/main" xmlns:r="http://schemas.openxmlformats.org/officeDocument/2006/relationships" xmlns:p="http://schemas.openxmlformats.org/presentationml/2006/main">
   <p:cSld>
     <p:spTree>
@@ -17913,7 +17834,7 @@
 </p:sld>
 </file>
 
-<file path=ppt/slides/slide26.xml><?xml version="1.0" encoding="utf-8"?>
+<file path=ppt/slides/slide25.xml><?xml version="1.0" encoding="utf-8"?>
 <p:sld xmlns:a="http://schemas.openxmlformats.org/drawingml/2006/main" xmlns:r="http://schemas.openxmlformats.org/officeDocument/2006/relationships" xmlns:p="http://schemas.openxmlformats.org/presentationml/2006/main">
   <p:cSld>
     <p:spTree>
@@ -18039,7 +17960,7 @@
 </p:sld>
 </file>
 
-<file path=ppt/slides/slide27.xml><?xml version="1.0" encoding="utf-8"?>
+<file path=ppt/slides/slide26.xml><?xml version="1.0" encoding="utf-8"?>
 <p:sld xmlns:a="http://schemas.openxmlformats.org/drawingml/2006/main" xmlns:r="http://schemas.openxmlformats.org/officeDocument/2006/relationships" xmlns:p="http://schemas.openxmlformats.org/presentationml/2006/main">
   <p:cSld>
     <p:spTree>
@@ -18401,7 +18322,7 @@
 </p:sld>
 </file>
 
-<file path=ppt/slides/slide28.xml><?xml version="1.0" encoding="utf-8"?>
+<file path=ppt/slides/slide27.xml><?xml version="1.0" encoding="utf-8"?>
 <p:sld xmlns:a="http://schemas.openxmlformats.org/drawingml/2006/main" xmlns:r="http://schemas.openxmlformats.org/officeDocument/2006/relationships" xmlns:p="http://schemas.openxmlformats.org/presentationml/2006/main">
   <p:cSld>
     <p:spTree>
@@ -20754,7 +20675,15 @@
           <a:p>
             <a:r>
               <a:rPr lang="en-US" dirty="0" smtClean="0"/>
-              <a:t>January, 2014 – February, 2015</a:t>
+              <a:t>January, </a:t>
+            </a:r>
+            <a:r>
+              <a:rPr lang="en-US" dirty="0" smtClean="0"/>
+              <a:t>2013 </a:t>
+            </a:r>
+            <a:r>
+              <a:rPr lang="en-US" dirty="0" smtClean="0"/>
+              <a:t>– February, 2015</a:t>
             </a:r>
           </a:p>
           <a:p>
@@ -21124,62 +21053,31 @@
           <a:chExt cx="0" cy="0"/>
         </a:xfrm>
       </p:grpSpPr>
-      <p:sp>
-        <p:nvSpPr>
-          <p:cNvPr id="2" name="Content Placeholder 1"/>
-          <p:cNvSpPr>
-            <a:spLocks noGrp="1"/>
-          </p:cNvSpPr>
+      <p:pic>
+        <p:nvPicPr>
+          <p:cNvPr id="4" name="Content Placeholder 3" descr="Screen Shot 2015-05-13 at 7.31.04 PM.png"/>
+          <p:cNvPicPr>
+            <a:picLocks noGrp="1" noChangeAspect="1"/>
+          </p:cNvPicPr>
           <p:nvPr>
             <p:ph idx="1"/>
           </p:nvPr>
-        </p:nvSpPr>
-        <p:spPr>
-          <a:xfrm>
-            <a:off x="872067" y="2675467"/>
-            <a:ext cx="7408333" cy="4064000"/>
-          </a:xfrm>
-        </p:spPr>
-        <p:txBody>
-          <a:bodyPr/>
-          <a:lstStyle/>
-          <a:p>
-            <a:pPr marL="0" indent="0">
-              <a:buNone/>
-            </a:pPr>
-            <a:endParaRPr lang="en-US" dirty="0" smtClean="0"/>
-          </a:p>
-          <a:p>
-            <a:pPr marL="0" indent="0">
-              <a:buNone/>
-            </a:pPr>
-            <a:endParaRPr lang="en-US" dirty="0" smtClean="0"/>
-          </a:p>
-          <a:p>
-            <a:r>
-              <a:rPr lang="en-US" dirty="0" smtClean="0"/>
-              <a:t>Finds similar station based on </a:t>
-            </a:r>
-            <a:r>
-              <a:rPr lang="en-US" b="1" dirty="0" smtClean="0"/>
-              <a:t>ridership</a:t>
-            </a:r>
-          </a:p>
-          <a:p>
-            <a:pPr marL="0" indent="0">
-              <a:buNone/>
-            </a:pPr>
-            <a:endParaRPr lang="en-US" dirty="0"/>
-          </a:p>
-          <a:p>
-            <a:r>
-              <a:rPr lang="en-US" dirty="0" smtClean="0"/>
-              <a:t>Improve survey process</a:t>
-            </a:r>
-            <a:endParaRPr lang="en-US" dirty="0"/>
-          </a:p>
-        </p:txBody>
-      </p:sp>
+        </p:nvPicPr>
+        <p:blipFill>
+          <a:blip r:embed="rId2">
+            <a:extLst>
+              <a:ext uri="{28A0092B-C50C-407E-A947-70E740481C1C}">
+                <a14:useLocalDpi xmlns:a14="http://schemas.microsoft.com/office/drawing/2010/main" val="0"/>
+              </a:ext>
+            </a:extLst>
+          </a:blip>
+          <a:srcRect l="-16684" r="-16684"/>
+          <a:stretch>
+            <a:fillRect/>
+          </a:stretch>
+        </p:blipFill>
+        <p:spPr/>
+      </p:pic>
       <p:sp>
         <p:nvSpPr>
           <p:cNvPr id="3" name="Title 2"/>
@@ -21197,46 +21095,16 @@
           <a:p>
             <a:r>
               <a:rPr lang="en-US" dirty="0" smtClean="0"/>
-              <a:t>Similar Stations</a:t>
+              <a:t>Oak Grove Ridership</a:t>
             </a:r>
             <a:endParaRPr lang="en-US" dirty="0"/>
           </a:p>
         </p:txBody>
       </p:sp>
-      <p:pic>
-        <p:nvPicPr>
-          <p:cNvPr id="5" name="Picture 4" descr="correlation.png"/>
-          <p:cNvPicPr>
-            <a:picLocks noChangeAspect="1"/>
-          </p:cNvPicPr>
-          <p:nvPr/>
-        </p:nvPicPr>
-        <p:blipFill>
-          <a:blip r:embed="rId2">
-            <a:extLst>
-              <a:ext uri="{28A0092B-C50C-407E-A947-70E740481C1C}">
-                <a14:useLocalDpi xmlns:a14="http://schemas.microsoft.com/office/drawing/2010/main" val="0"/>
-              </a:ext>
-            </a:extLst>
-          </a:blip>
-          <a:stretch>
-            <a:fillRect/>
-          </a:stretch>
-        </p:blipFill>
-        <p:spPr>
-          <a:xfrm>
-            <a:off x="6934200" y="3606800"/>
-            <a:ext cx="1346200" cy="1358900"/>
-          </a:xfrm>
-          <a:prstGeom prst="rect">
-            <a:avLst/>
-          </a:prstGeom>
-        </p:spPr>
-      </p:pic>
     </p:spTree>
     <p:extLst>
       <p:ext uri="{BB962C8B-B14F-4D97-AF65-F5344CB8AC3E}">
-        <p14:creationId xmlns:p14="http://schemas.microsoft.com/office/powerpoint/2010/main" val="1960561944"/>
+        <p14:creationId xmlns:p14="http://schemas.microsoft.com/office/powerpoint/2010/main" val="500265644"/>
       </p:ext>
     </p:extLst>
   </p:cSld>
